--- a/docs/diagrams/ModelComponentClassDiagram.pptx
+++ b/docs/diagrams/ModelComponentClassDiagram.pptx
@@ -208,7 +208,7 @@
           <a:p>
             <a:fld id="{F5CC4B3F-88C1-4FFA-B1B6-F41C21DC6924}" type="datetimeFigureOut">
               <a:rPr lang="en-US" smtClean="0"/>
-              <a:t>1/1/18</a:t>
+              <a:t>3/6/2018</a:t>
             </a:fld>
             <a:endParaRPr lang="en-US"/>
           </a:p>
@@ -272,38 +272,37 @@
           <a:p>
             <a:pPr lvl="0"/>
             <a:r>
-              <a:rPr lang="en-US" smtClean="0"/>
+              <a:rPr lang="en-US"/>
               <a:t>Click to edit Master text styles</a:t>
             </a:r>
           </a:p>
           <a:p>
             <a:pPr lvl="1"/>
             <a:r>
-              <a:rPr lang="en-US" smtClean="0"/>
+              <a:rPr lang="en-US"/>
               <a:t>Second level</a:t>
             </a:r>
           </a:p>
           <a:p>
             <a:pPr lvl="2"/>
             <a:r>
-              <a:rPr lang="en-US" smtClean="0"/>
+              <a:rPr lang="en-US"/>
               <a:t>Third level</a:t>
             </a:r>
           </a:p>
           <a:p>
             <a:pPr lvl="3"/>
             <a:r>
-              <a:rPr lang="en-US" smtClean="0"/>
+              <a:rPr lang="en-US"/>
               <a:t>Fourth level</a:t>
             </a:r>
           </a:p>
           <a:p>
             <a:pPr lvl="4"/>
             <a:r>
-              <a:rPr lang="en-US" smtClean="0"/>
+              <a:rPr lang="en-US"/>
               <a:t>Fifth level</a:t>
             </a:r>
-            <a:endParaRPr lang="en-US"/>
           </a:p>
         </p:txBody>
       </p:sp>
@@ -514,10 +513,9 @@
           <a:lstStyle/>
           <a:p>
             <a:r>
-              <a:rPr lang="en-US" smtClean="0"/>
+              <a:rPr lang="en-US"/>
               <a:t>Click to edit Master title style</a:t>
             </a:r>
-            <a:endParaRPr lang="en-US"/>
           </a:p>
         </p:txBody>
       </p:sp>
@@ -633,10 +631,9 @@
           </a:lstStyle>
           <a:p>
             <a:r>
-              <a:rPr lang="en-US" smtClean="0"/>
+              <a:rPr lang="en-US"/>
               <a:t>Click to edit Master subtitle style</a:t>
             </a:r>
-            <a:endParaRPr lang="en-US"/>
           </a:p>
         </p:txBody>
       </p:sp>
@@ -657,7 +654,7 @@
           <a:p>
             <a:fld id="{78C97017-6FC3-485B-9764-EAC9E56C1D49}" type="datetimeFigureOut">
               <a:rPr lang="en-US" smtClean="0"/>
-              <a:t>1/1/18</a:t>
+              <a:t>3/6/2018</a:t>
             </a:fld>
             <a:endParaRPr lang="en-US"/>
           </a:p>
@@ -751,10 +748,9 @@
           <a:lstStyle/>
           <a:p>
             <a:r>
-              <a:rPr lang="en-US" smtClean="0"/>
+              <a:rPr lang="en-US"/>
               <a:t>Click to edit Master title style</a:t>
             </a:r>
-            <a:endParaRPr lang="en-US"/>
           </a:p>
         </p:txBody>
       </p:sp>
@@ -775,38 +771,37 @@
           <a:p>
             <a:pPr lvl="0"/>
             <a:r>
-              <a:rPr lang="en-US" smtClean="0"/>
+              <a:rPr lang="en-US"/>
               <a:t>Click to edit Master text styles</a:t>
             </a:r>
           </a:p>
           <a:p>
             <a:pPr lvl="1"/>
             <a:r>
-              <a:rPr lang="en-US" smtClean="0"/>
+              <a:rPr lang="en-US"/>
               <a:t>Second level</a:t>
             </a:r>
           </a:p>
           <a:p>
             <a:pPr lvl="2"/>
             <a:r>
-              <a:rPr lang="en-US" smtClean="0"/>
+              <a:rPr lang="en-US"/>
               <a:t>Third level</a:t>
             </a:r>
           </a:p>
           <a:p>
             <a:pPr lvl="3"/>
             <a:r>
-              <a:rPr lang="en-US" smtClean="0"/>
+              <a:rPr lang="en-US"/>
               <a:t>Fourth level</a:t>
             </a:r>
           </a:p>
           <a:p>
             <a:pPr lvl="4"/>
             <a:r>
-              <a:rPr lang="en-US" smtClean="0"/>
+              <a:rPr lang="en-US"/>
               <a:t>Fifth level</a:t>
             </a:r>
-            <a:endParaRPr lang="en-US"/>
           </a:p>
         </p:txBody>
       </p:sp>
@@ -827,7 +822,7 @@
           <a:p>
             <a:fld id="{78C97017-6FC3-485B-9764-EAC9E56C1D49}" type="datetimeFigureOut">
               <a:rPr lang="en-US" smtClean="0"/>
-              <a:t>1/1/18</a:t>
+              <a:t>3/6/2018</a:t>
             </a:fld>
             <a:endParaRPr lang="en-US"/>
           </a:p>
@@ -926,10 +921,9 @@
           <a:lstStyle/>
           <a:p>
             <a:r>
-              <a:rPr lang="en-US" smtClean="0"/>
+              <a:rPr lang="en-US"/>
               <a:t>Click to edit Master title style</a:t>
             </a:r>
-            <a:endParaRPr lang="en-US"/>
           </a:p>
         </p:txBody>
       </p:sp>
@@ -955,38 +949,37 @@
           <a:p>
             <a:pPr lvl="0"/>
             <a:r>
-              <a:rPr lang="en-US" smtClean="0"/>
+              <a:rPr lang="en-US"/>
               <a:t>Click to edit Master text styles</a:t>
             </a:r>
           </a:p>
           <a:p>
             <a:pPr lvl="1"/>
             <a:r>
-              <a:rPr lang="en-US" smtClean="0"/>
+              <a:rPr lang="en-US"/>
               <a:t>Second level</a:t>
             </a:r>
           </a:p>
           <a:p>
             <a:pPr lvl="2"/>
             <a:r>
-              <a:rPr lang="en-US" smtClean="0"/>
+              <a:rPr lang="en-US"/>
               <a:t>Third level</a:t>
             </a:r>
           </a:p>
           <a:p>
             <a:pPr lvl="3"/>
             <a:r>
-              <a:rPr lang="en-US" smtClean="0"/>
+              <a:rPr lang="en-US"/>
               <a:t>Fourth level</a:t>
             </a:r>
           </a:p>
           <a:p>
             <a:pPr lvl="4"/>
             <a:r>
-              <a:rPr lang="en-US" smtClean="0"/>
+              <a:rPr lang="en-US"/>
               <a:t>Fifth level</a:t>
             </a:r>
-            <a:endParaRPr lang="en-US"/>
           </a:p>
         </p:txBody>
       </p:sp>
@@ -1007,7 +1000,7 @@
           <a:p>
             <a:fld id="{78C97017-6FC3-485B-9764-EAC9E56C1D49}" type="datetimeFigureOut">
               <a:rPr lang="en-US" smtClean="0"/>
-              <a:t>1/1/18</a:t>
+              <a:t>3/6/2018</a:t>
             </a:fld>
             <a:endParaRPr lang="en-US"/>
           </a:p>
@@ -1101,10 +1094,9 @@
           <a:lstStyle/>
           <a:p>
             <a:r>
-              <a:rPr lang="en-US" smtClean="0"/>
+              <a:rPr lang="en-US"/>
               <a:t>Click to edit Master title style</a:t>
             </a:r>
-            <a:endParaRPr lang="en-US"/>
           </a:p>
         </p:txBody>
       </p:sp>
@@ -1125,38 +1117,37 @@
           <a:p>
             <a:pPr lvl="0"/>
             <a:r>
-              <a:rPr lang="en-US" smtClean="0"/>
+              <a:rPr lang="en-US"/>
               <a:t>Click to edit Master text styles</a:t>
             </a:r>
           </a:p>
           <a:p>
             <a:pPr lvl="1"/>
             <a:r>
-              <a:rPr lang="en-US" smtClean="0"/>
+              <a:rPr lang="en-US"/>
               <a:t>Second level</a:t>
             </a:r>
           </a:p>
           <a:p>
             <a:pPr lvl="2"/>
             <a:r>
-              <a:rPr lang="en-US" smtClean="0"/>
+              <a:rPr lang="en-US"/>
               <a:t>Third level</a:t>
             </a:r>
           </a:p>
           <a:p>
             <a:pPr lvl="3"/>
             <a:r>
-              <a:rPr lang="en-US" smtClean="0"/>
+              <a:rPr lang="en-US"/>
               <a:t>Fourth level</a:t>
             </a:r>
           </a:p>
           <a:p>
             <a:pPr lvl="4"/>
             <a:r>
-              <a:rPr lang="en-US" smtClean="0"/>
+              <a:rPr lang="en-US"/>
               <a:t>Fifth level</a:t>
             </a:r>
-            <a:endParaRPr lang="en-US"/>
           </a:p>
         </p:txBody>
       </p:sp>
@@ -1177,7 +1168,7 @@
           <a:p>
             <a:fld id="{78C97017-6FC3-485B-9764-EAC9E56C1D49}" type="datetimeFigureOut">
               <a:rPr lang="en-US" smtClean="0"/>
-              <a:t>1/1/18</a:t>
+              <a:t>3/6/2018</a:t>
             </a:fld>
             <a:endParaRPr lang="en-US"/>
           </a:p>
@@ -1280,10 +1271,9 @@
           </a:lstStyle>
           <a:p>
             <a:r>
-              <a:rPr lang="en-US" smtClean="0"/>
+              <a:rPr lang="en-US"/>
               <a:t>Click to edit Master title style</a:t>
             </a:r>
-            <a:endParaRPr lang="en-US"/>
           </a:p>
         </p:txBody>
       </p:sp>
@@ -1400,7 +1390,7 @@
           <a:p>
             <a:pPr lvl="0"/>
             <a:r>
-              <a:rPr lang="en-US" smtClean="0"/>
+              <a:rPr lang="en-US"/>
               <a:t>Click to edit Master text styles</a:t>
             </a:r>
           </a:p>
@@ -1423,7 +1413,7 @@
           <a:p>
             <a:fld id="{78C97017-6FC3-485B-9764-EAC9E56C1D49}" type="datetimeFigureOut">
               <a:rPr lang="en-US" smtClean="0"/>
-              <a:t>1/1/18</a:t>
+              <a:t>3/6/2018</a:t>
             </a:fld>
             <a:endParaRPr lang="en-US"/>
           </a:p>
@@ -1517,10 +1507,9 @@
           <a:lstStyle/>
           <a:p>
             <a:r>
-              <a:rPr lang="en-US" smtClean="0"/>
+              <a:rPr lang="en-US"/>
               <a:t>Click to edit Master title style</a:t>
             </a:r>
-            <a:endParaRPr lang="en-US"/>
           </a:p>
         </p:txBody>
       </p:sp>
@@ -1574,38 +1563,37 @@
           <a:p>
             <a:pPr lvl="0"/>
             <a:r>
-              <a:rPr lang="en-US" smtClean="0"/>
+              <a:rPr lang="en-US"/>
               <a:t>Click to edit Master text styles</a:t>
             </a:r>
           </a:p>
           <a:p>
             <a:pPr lvl="1"/>
             <a:r>
-              <a:rPr lang="en-US" smtClean="0"/>
+              <a:rPr lang="en-US"/>
               <a:t>Second level</a:t>
             </a:r>
           </a:p>
           <a:p>
             <a:pPr lvl="2"/>
             <a:r>
-              <a:rPr lang="en-US" smtClean="0"/>
+              <a:rPr lang="en-US"/>
               <a:t>Third level</a:t>
             </a:r>
           </a:p>
           <a:p>
             <a:pPr lvl="3"/>
             <a:r>
-              <a:rPr lang="en-US" smtClean="0"/>
+              <a:rPr lang="en-US"/>
               <a:t>Fourth level</a:t>
             </a:r>
           </a:p>
           <a:p>
             <a:pPr lvl="4"/>
             <a:r>
-              <a:rPr lang="en-US" smtClean="0"/>
+              <a:rPr lang="en-US"/>
               <a:t>Fifth level</a:t>
             </a:r>
-            <a:endParaRPr lang="en-US"/>
           </a:p>
         </p:txBody>
       </p:sp>
@@ -1659,38 +1647,37 @@
           <a:p>
             <a:pPr lvl="0"/>
             <a:r>
-              <a:rPr lang="en-US" smtClean="0"/>
+              <a:rPr lang="en-US"/>
               <a:t>Click to edit Master text styles</a:t>
             </a:r>
           </a:p>
           <a:p>
             <a:pPr lvl="1"/>
             <a:r>
-              <a:rPr lang="en-US" smtClean="0"/>
+              <a:rPr lang="en-US"/>
               <a:t>Second level</a:t>
             </a:r>
           </a:p>
           <a:p>
             <a:pPr lvl="2"/>
             <a:r>
-              <a:rPr lang="en-US" smtClean="0"/>
+              <a:rPr lang="en-US"/>
               <a:t>Third level</a:t>
             </a:r>
           </a:p>
           <a:p>
             <a:pPr lvl="3"/>
             <a:r>
-              <a:rPr lang="en-US" smtClean="0"/>
+              <a:rPr lang="en-US"/>
               <a:t>Fourth level</a:t>
             </a:r>
           </a:p>
           <a:p>
             <a:pPr lvl="4"/>
             <a:r>
-              <a:rPr lang="en-US" smtClean="0"/>
+              <a:rPr lang="en-US"/>
               <a:t>Fifth level</a:t>
             </a:r>
-            <a:endParaRPr lang="en-US"/>
           </a:p>
         </p:txBody>
       </p:sp>
@@ -1711,7 +1698,7 @@
           <a:p>
             <a:fld id="{78C97017-6FC3-485B-9764-EAC9E56C1D49}" type="datetimeFigureOut">
               <a:rPr lang="en-US" smtClean="0"/>
-              <a:t>1/1/18</a:t>
+              <a:t>3/6/2018</a:t>
             </a:fld>
             <a:endParaRPr lang="en-US"/>
           </a:p>
@@ -1809,10 +1796,9 @@
           </a:lstStyle>
           <a:p>
             <a:r>
-              <a:rPr lang="en-US" smtClean="0"/>
+              <a:rPr lang="en-US"/>
               <a:t>Click to edit Master title style</a:t>
             </a:r>
-            <a:endParaRPr lang="en-US"/>
           </a:p>
         </p:txBody>
       </p:sp>
@@ -1875,7 +1861,7 @@
           <a:p>
             <a:pPr lvl="0"/>
             <a:r>
-              <a:rPr lang="en-US" smtClean="0"/>
+              <a:rPr lang="en-US"/>
               <a:t>Click to edit Master text styles</a:t>
             </a:r>
           </a:p>
@@ -1931,38 +1917,37 @@
           <a:p>
             <a:pPr lvl="0"/>
             <a:r>
-              <a:rPr lang="en-US" smtClean="0"/>
+              <a:rPr lang="en-US"/>
               <a:t>Click to edit Master text styles</a:t>
             </a:r>
           </a:p>
           <a:p>
             <a:pPr lvl="1"/>
             <a:r>
-              <a:rPr lang="en-US" smtClean="0"/>
+              <a:rPr lang="en-US"/>
               <a:t>Second level</a:t>
             </a:r>
           </a:p>
           <a:p>
             <a:pPr lvl="2"/>
             <a:r>
-              <a:rPr lang="en-US" smtClean="0"/>
+              <a:rPr lang="en-US"/>
               <a:t>Third level</a:t>
             </a:r>
           </a:p>
           <a:p>
             <a:pPr lvl="3"/>
             <a:r>
-              <a:rPr lang="en-US" smtClean="0"/>
+              <a:rPr lang="en-US"/>
               <a:t>Fourth level</a:t>
             </a:r>
           </a:p>
           <a:p>
             <a:pPr lvl="4"/>
             <a:r>
-              <a:rPr lang="en-US" smtClean="0"/>
+              <a:rPr lang="en-US"/>
               <a:t>Fifth level</a:t>
             </a:r>
-            <a:endParaRPr lang="en-US"/>
           </a:p>
         </p:txBody>
       </p:sp>
@@ -2025,7 +2010,7 @@
           <a:p>
             <a:pPr lvl="0"/>
             <a:r>
-              <a:rPr lang="en-US" smtClean="0"/>
+              <a:rPr lang="en-US"/>
               <a:t>Click to edit Master text styles</a:t>
             </a:r>
           </a:p>
@@ -2081,38 +2066,37 @@
           <a:p>
             <a:pPr lvl="0"/>
             <a:r>
-              <a:rPr lang="en-US" smtClean="0"/>
+              <a:rPr lang="en-US"/>
               <a:t>Click to edit Master text styles</a:t>
             </a:r>
           </a:p>
           <a:p>
             <a:pPr lvl="1"/>
             <a:r>
-              <a:rPr lang="en-US" smtClean="0"/>
+              <a:rPr lang="en-US"/>
               <a:t>Second level</a:t>
             </a:r>
           </a:p>
           <a:p>
             <a:pPr lvl="2"/>
             <a:r>
-              <a:rPr lang="en-US" smtClean="0"/>
+              <a:rPr lang="en-US"/>
               <a:t>Third level</a:t>
             </a:r>
           </a:p>
           <a:p>
             <a:pPr lvl="3"/>
             <a:r>
-              <a:rPr lang="en-US" smtClean="0"/>
+              <a:rPr lang="en-US"/>
               <a:t>Fourth level</a:t>
             </a:r>
           </a:p>
           <a:p>
             <a:pPr lvl="4"/>
             <a:r>
-              <a:rPr lang="en-US" smtClean="0"/>
+              <a:rPr lang="en-US"/>
               <a:t>Fifth level</a:t>
             </a:r>
-            <a:endParaRPr lang="en-US"/>
           </a:p>
         </p:txBody>
       </p:sp>
@@ -2133,7 +2117,7 @@
           <a:p>
             <a:fld id="{78C97017-6FC3-485B-9764-EAC9E56C1D49}" type="datetimeFigureOut">
               <a:rPr lang="en-US" smtClean="0"/>
-              <a:t>1/1/18</a:t>
+              <a:t>3/6/2018</a:t>
             </a:fld>
             <a:endParaRPr lang="en-US"/>
           </a:p>
@@ -2227,10 +2211,9 @@
           <a:lstStyle/>
           <a:p>
             <a:r>
-              <a:rPr lang="en-US" smtClean="0"/>
+              <a:rPr lang="en-US"/>
               <a:t>Click to edit Master title style</a:t>
             </a:r>
-            <a:endParaRPr lang="en-US"/>
           </a:p>
         </p:txBody>
       </p:sp>
@@ -2251,7 +2234,7 @@
           <a:p>
             <a:fld id="{78C97017-6FC3-485B-9764-EAC9E56C1D49}" type="datetimeFigureOut">
               <a:rPr lang="en-US" smtClean="0"/>
-              <a:t>1/1/18</a:t>
+              <a:t>3/6/2018</a:t>
             </a:fld>
             <a:endParaRPr lang="en-US"/>
           </a:p>
@@ -2346,7 +2329,7 @@
           <a:p>
             <a:fld id="{78C97017-6FC3-485B-9764-EAC9E56C1D49}" type="datetimeFigureOut">
               <a:rPr lang="en-US" smtClean="0"/>
-              <a:t>1/1/18</a:t>
+              <a:t>3/6/2018</a:t>
             </a:fld>
             <a:endParaRPr lang="en-US"/>
           </a:p>
@@ -2449,10 +2432,9 @@
           </a:lstStyle>
           <a:p>
             <a:r>
-              <a:rPr lang="en-US" smtClean="0"/>
+              <a:rPr lang="en-US"/>
               <a:t>Click to edit Master title style</a:t>
             </a:r>
-            <a:endParaRPr lang="en-US"/>
           </a:p>
         </p:txBody>
       </p:sp>
@@ -2506,38 +2488,37 @@
           <a:p>
             <a:pPr lvl="0"/>
             <a:r>
-              <a:rPr lang="en-US" smtClean="0"/>
+              <a:rPr lang="en-US"/>
               <a:t>Click to edit Master text styles</a:t>
             </a:r>
           </a:p>
           <a:p>
             <a:pPr lvl="1"/>
             <a:r>
-              <a:rPr lang="en-US" smtClean="0"/>
+              <a:rPr lang="en-US"/>
               <a:t>Second level</a:t>
             </a:r>
           </a:p>
           <a:p>
             <a:pPr lvl="2"/>
             <a:r>
-              <a:rPr lang="en-US" smtClean="0"/>
+              <a:rPr lang="en-US"/>
               <a:t>Third level</a:t>
             </a:r>
           </a:p>
           <a:p>
             <a:pPr lvl="3"/>
             <a:r>
-              <a:rPr lang="en-US" smtClean="0"/>
+              <a:rPr lang="en-US"/>
               <a:t>Fourth level</a:t>
             </a:r>
           </a:p>
           <a:p>
             <a:pPr lvl="4"/>
             <a:r>
-              <a:rPr lang="en-US" smtClean="0"/>
+              <a:rPr lang="en-US"/>
               <a:t>Fifth level</a:t>
             </a:r>
-            <a:endParaRPr lang="en-US"/>
           </a:p>
         </p:txBody>
       </p:sp>
@@ -2600,7 +2581,7 @@
           <a:p>
             <a:pPr lvl="0"/>
             <a:r>
-              <a:rPr lang="en-US" smtClean="0"/>
+              <a:rPr lang="en-US"/>
               <a:t>Click to edit Master text styles</a:t>
             </a:r>
           </a:p>
@@ -2623,7 +2604,7 @@
           <a:p>
             <a:fld id="{78C97017-6FC3-485B-9764-EAC9E56C1D49}" type="datetimeFigureOut">
               <a:rPr lang="en-US" smtClean="0"/>
-              <a:t>1/1/18</a:t>
+              <a:t>3/6/2018</a:t>
             </a:fld>
             <a:endParaRPr lang="en-US"/>
           </a:p>
@@ -2726,10 +2707,9 @@
           </a:lstStyle>
           <a:p>
             <a:r>
-              <a:rPr lang="en-US" smtClean="0"/>
+              <a:rPr lang="en-US"/>
               <a:t>Click to edit Master title style</a:t>
             </a:r>
-            <a:endParaRPr lang="en-US"/>
           </a:p>
         </p:txBody>
       </p:sp>
@@ -2853,7 +2833,7 @@
           <a:p>
             <a:pPr lvl="0"/>
             <a:r>
-              <a:rPr lang="en-US" smtClean="0"/>
+              <a:rPr lang="en-US"/>
               <a:t>Click to edit Master text styles</a:t>
             </a:r>
           </a:p>
@@ -2876,7 +2856,7 @@
           <a:p>
             <a:fld id="{78C97017-6FC3-485B-9764-EAC9E56C1D49}" type="datetimeFigureOut">
               <a:rPr lang="en-US" smtClean="0"/>
-              <a:t>1/1/18</a:t>
+              <a:t>3/6/2018</a:t>
             </a:fld>
             <a:endParaRPr lang="en-US"/>
           </a:p>
@@ -2985,10 +2965,9 @@
           <a:lstStyle/>
           <a:p>
             <a:r>
-              <a:rPr lang="en-US" smtClean="0"/>
+              <a:rPr lang="en-US"/>
               <a:t>Click to edit Master title style</a:t>
             </a:r>
-            <a:endParaRPr lang="en-US"/>
           </a:p>
         </p:txBody>
       </p:sp>
@@ -3019,38 +2998,37 @@
           <a:p>
             <a:pPr lvl="0"/>
             <a:r>
-              <a:rPr lang="en-US" smtClean="0"/>
+              <a:rPr lang="en-US"/>
               <a:t>Click to edit Master text styles</a:t>
             </a:r>
           </a:p>
           <a:p>
             <a:pPr lvl="1"/>
             <a:r>
-              <a:rPr lang="en-US" smtClean="0"/>
+              <a:rPr lang="en-US"/>
               <a:t>Second level</a:t>
             </a:r>
           </a:p>
           <a:p>
             <a:pPr lvl="2"/>
             <a:r>
-              <a:rPr lang="en-US" smtClean="0"/>
+              <a:rPr lang="en-US"/>
               <a:t>Third level</a:t>
             </a:r>
           </a:p>
           <a:p>
             <a:pPr lvl="3"/>
             <a:r>
-              <a:rPr lang="en-US" smtClean="0"/>
+              <a:rPr lang="en-US"/>
               <a:t>Fourth level</a:t>
             </a:r>
           </a:p>
           <a:p>
             <a:pPr lvl="4"/>
             <a:r>
-              <a:rPr lang="en-US" smtClean="0"/>
+              <a:rPr lang="en-US"/>
               <a:t>Fifth level</a:t>
             </a:r>
-            <a:endParaRPr lang="en-US"/>
           </a:p>
         </p:txBody>
       </p:sp>
@@ -3089,7 +3067,7 @@
           <a:p>
             <a:fld id="{78C97017-6FC3-485B-9764-EAC9E56C1D49}" type="datetimeFigureOut">
               <a:rPr lang="en-US" smtClean="0"/>
-              <a:t>1/1/18</a:t>
+              <a:t>3/6/2018</a:t>
             </a:fld>
             <a:endParaRPr lang="en-US"/>
           </a:p>
@@ -3510,7 +3488,7 @@
           <a:lstStyle/>
           <a:p>
             <a:r>
-              <a:rPr lang="en-US" sz="1200" b="1" dirty="0" smtClean="0">
+              <a:rPr lang="en-US" sz="1200" b="1" dirty="0">
                 <a:solidFill>
                   <a:srgbClr val="7030A0"/>
                 </a:solidFill>
@@ -3569,7 +3547,7 @@
           <a:p>
             <a:pPr algn="ctr"/>
             <a:r>
-              <a:rPr lang="en-US" sz="1050" dirty="0" err="1" smtClean="0">
+              <a:rPr lang="en-US" sz="1050" dirty="0" err="1">
                 <a:solidFill>
                   <a:schemeClr val="bg1"/>
                 </a:solidFill>
@@ -3628,7 +3606,7 @@
           <a:p>
             <a:pPr algn="ctr"/>
             <a:r>
-              <a:rPr lang="en-US" sz="1050" dirty="0" err="1" smtClean="0">
+              <a:rPr lang="en-US" sz="1050" dirty="0" err="1">
                 <a:solidFill>
                   <a:schemeClr val="bg1"/>
                 </a:solidFill>
@@ -3742,7 +3720,7 @@
           <a:p>
             <a:pPr algn="ctr"/>
             <a:r>
-              <a:rPr lang="en-US" sz="1050" dirty="0" smtClean="0">
+              <a:rPr lang="en-US" sz="1050" dirty="0">
                 <a:solidFill>
                   <a:schemeClr val="bg1"/>
                 </a:solidFill>
@@ -4015,7 +3993,7 @@
           <a:p>
             <a:pPr algn="ctr"/>
             <a:r>
-              <a:rPr lang="en-US" sz="1050" dirty="0" err="1" smtClean="0">
+              <a:rPr lang="en-US" sz="1050" dirty="0" err="1">
                 <a:solidFill>
                   <a:srgbClr val="7030A0"/>
                 </a:solidFill>
@@ -4157,7 +4135,7 @@
           <a:p>
             <a:pPr algn="ctr"/>
             <a:r>
-              <a:rPr lang="en-US" sz="1050" dirty="0" err="1" smtClean="0">
+              <a:rPr lang="en-US" sz="1050" dirty="0" err="1">
                 <a:solidFill>
                   <a:srgbClr val="7030A0"/>
                 </a:solidFill>
@@ -4301,7 +4279,7 @@
           <a:p>
             <a:pPr algn="ctr"/>
             <a:r>
-              <a:rPr lang="en-US" sz="1050" dirty="0" err="1" smtClean="0">
+              <a:rPr lang="en-US" sz="1050" dirty="0" err="1">
                 <a:solidFill>
                   <a:srgbClr val="7030A0"/>
                 </a:solidFill>
@@ -4400,12 +4378,12 @@
           <a:p>
             <a:pPr algn="ctr"/>
             <a:r>
-              <a:rPr lang="en-US" sz="1050" dirty="0" smtClean="0">
+              <a:rPr lang="en-US" sz="1050" dirty="0">
                 <a:solidFill>
                   <a:srgbClr val="7030A0"/>
                 </a:solidFill>
               </a:rPr>
-              <a:t>Person</a:t>
+              <a:t>Cinema</a:t>
             </a:r>
             <a:endParaRPr lang="en-SG" sz="1050" dirty="0">
               <a:solidFill>
@@ -4542,7 +4520,7 @@
           <a:p>
             <a:pPr algn="ctr"/>
             <a:r>
-              <a:rPr lang="en-US" sz="1050" dirty="0" smtClean="0">
+              <a:rPr lang="en-US" sz="1050" dirty="0">
                 <a:solidFill>
                   <a:srgbClr val="7030A0"/>
                 </a:solidFill>
@@ -4684,7 +4662,7 @@
           <a:p>
             <a:pPr algn="ctr"/>
             <a:r>
-              <a:rPr lang="en-US" sz="1050" dirty="0" smtClean="0">
+              <a:rPr lang="en-US" sz="1050" dirty="0">
                 <a:solidFill>
                   <a:srgbClr val="7030A0"/>
                 </a:solidFill>
@@ -4828,7 +4806,7 @@
           <a:p>
             <a:pPr algn="ctr"/>
             <a:r>
-              <a:rPr lang="en-US" sz="1050" dirty="0" smtClean="0">
+              <a:rPr lang="en-US" sz="1050" dirty="0">
                 <a:solidFill>
                   <a:srgbClr val="7030A0"/>
                 </a:solidFill>
@@ -4925,7 +4903,7 @@
           <a:p>
             <a:pPr algn="ctr"/>
             <a:r>
-              <a:rPr lang="en-US" sz="1050" dirty="0" smtClean="0">
+              <a:rPr lang="en-US" sz="1050" dirty="0">
                 <a:solidFill>
                   <a:srgbClr val="7030A0"/>
                 </a:solidFill>
@@ -5022,7 +5000,7 @@
           <a:p>
             <a:pPr algn="ctr"/>
             <a:r>
-              <a:rPr lang="en-US" sz="1050" dirty="0" smtClean="0">
+              <a:rPr lang="en-US" sz="1050" dirty="0">
                 <a:solidFill>
                   <a:srgbClr val="7030A0"/>
                 </a:solidFill>
@@ -5210,7 +5188,7 @@
           <a:p>
             <a:pPr algn="ctr"/>
             <a:r>
-              <a:rPr lang="en-US" sz="1050" dirty="0" smtClean="0">
+              <a:rPr lang="en-US" sz="1050" dirty="0">
                 <a:solidFill>
                   <a:srgbClr val="7030A0"/>
                 </a:solidFill>
@@ -5218,14 +5196,14 @@
               <a:t>&lt;&lt;interface&gt;&gt;</a:t>
             </a:r>
             <a:br>
-              <a:rPr lang="en-US" sz="1050" dirty="0" smtClean="0">
+              <a:rPr lang="en-US" sz="1050" dirty="0">
                 <a:solidFill>
                   <a:srgbClr val="7030A0"/>
                 </a:solidFill>
               </a:rPr>
             </a:br>
             <a:r>
-              <a:rPr lang="en-US" sz="1050" dirty="0" err="1" smtClean="0">
+              <a:rPr lang="en-US" sz="1050" dirty="0" err="1">
                 <a:solidFill>
                   <a:srgbClr val="7030A0"/>
                 </a:solidFill>
@@ -5264,7 +5242,7 @@
           <a:p>
             <a:pPr algn="r"/>
             <a:r>
-              <a:rPr lang="en-US" sz="1100" dirty="0" smtClean="0">
+              <a:rPr lang="en-US" sz="1100" dirty="0">
                 <a:solidFill>
                   <a:srgbClr val="7030A0"/>
                 </a:solidFill>
@@ -5320,20 +5298,12 @@
           <a:p>
             <a:pPr algn="ctr"/>
             <a:r>
-              <a:rPr lang="en-US" sz="1050" dirty="0" smtClean="0">
+              <a:rPr lang="en-US" sz="1050" dirty="0">
                 <a:solidFill>
                   <a:srgbClr val="7030A0"/>
                 </a:solidFill>
               </a:rPr>
               <a:t>&lt;&lt;interface&gt;&gt;</a:t>
-            </a:r>
-            <a:r>
-              <a:rPr lang="en-US" sz="1050">
-                <a:solidFill>
-                  <a:srgbClr val="7030A0"/>
-                </a:solidFill>
-              </a:rPr>
-              <a:t/>
             </a:r>
             <a:br>
               <a:rPr lang="en-US" sz="1050">
@@ -5343,7 +5313,7 @@
               </a:rPr>
             </a:br>
             <a:r>
-              <a:rPr lang="en-US" sz="1050" dirty="0" err="1" smtClean="0">
+              <a:rPr lang="en-US" sz="1050" dirty="0" err="1">
                 <a:solidFill>
                   <a:srgbClr val="7030A0"/>
                 </a:solidFill>
@@ -5465,7 +5435,7 @@
           <a:p>
             <a:pPr algn="ctr"/>
             <a:r>
-              <a:rPr lang="en-US" sz="1100" dirty="0" smtClean="0">
+              <a:rPr lang="en-US" sz="1100" dirty="0">
                 <a:solidFill>
                   <a:srgbClr val="7030A0"/>
                 </a:solidFill>
@@ -5504,7 +5474,7 @@
           <a:p>
             <a:pPr algn="ctr"/>
             <a:r>
-              <a:rPr lang="en-US" sz="1100" dirty="0" smtClean="0">
+              <a:rPr lang="en-US" sz="1100" dirty="0">
                 <a:solidFill>
                   <a:srgbClr val="7030A0"/>
                 </a:solidFill>
@@ -5543,7 +5513,7 @@
           <a:p>
             <a:pPr algn="ctr"/>
             <a:r>
-              <a:rPr lang="en-US" sz="1100" dirty="0" smtClean="0">
+              <a:rPr lang="en-US" sz="1100" dirty="0">
                 <a:solidFill>
                   <a:srgbClr val="7030A0"/>
                 </a:solidFill>
@@ -5582,7 +5552,7 @@
           <a:p>
             <a:pPr algn="ctr"/>
             <a:r>
-              <a:rPr lang="en-US" sz="1100" dirty="0" smtClean="0">
+              <a:rPr lang="en-US" sz="1100" dirty="0">
                 <a:solidFill>
                   <a:srgbClr val="7030A0"/>
                 </a:solidFill>
@@ -5621,7 +5591,7 @@
           <a:p>
             <a:pPr algn="ctr"/>
             <a:r>
-              <a:rPr lang="en-US" sz="1100" dirty="0" smtClean="0">
+              <a:rPr lang="en-US" sz="1100" dirty="0">
                 <a:solidFill>
                   <a:srgbClr val="7030A0"/>
                 </a:solidFill>
@@ -5660,7 +5630,7 @@
           <a:p>
             <a:pPr algn="ctr"/>
             <a:r>
-              <a:rPr lang="en-US" sz="1100" dirty="0" smtClean="0">
+              <a:rPr lang="en-US" sz="1100" dirty="0">
                 <a:solidFill>
                   <a:srgbClr val="7030A0"/>
                 </a:solidFill>
@@ -5699,7 +5669,7 @@
           <a:p>
             <a:pPr algn="ctr"/>
             <a:r>
-              <a:rPr lang="en-US" sz="1100" dirty="0" smtClean="0">
+              <a:rPr lang="en-US" sz="1100" dirty="0">
                 <a:solidFill>
                   <a:srgbClr val="7030A0"/>
                 </a:solidFill>
@@ -5738,7 +5708,7 @@
           <a:p>
             <a:pPr algn="ctr"/>
             <a:r>
-              <a:rPr lang="en-US" sz="1100" dirty="0" smtClean="0">
+              <a:rPr lang="en-US" sz="1100" dirty="0">
                 <a:solidFill>
                   <a:srgbClr val="7030A0"/>
                 </a:solidFill>
@@ -5763,13 +5733,6 @@
   <p:clrMapOvr>
     <a:masterClrMapping/>
   </p:clrMapOvr>
-  <p:timing>
-    <p:tnLst>
-      <p:par>
-        <p:cTn id="1" dur="indefinite" restart="never" nodeType="tmRoot"/>
-      </p:par>
-    </p:tnLst>
-  </p:timing>
 </p:sld>
 </file>
 

--- a/docs/diagrams/ModelComponentClassDiagram.pptx
+++ b/docs/diagrams/ModelComponentClassDiagram.pptx
@@ -175,7 +175,7 @@
             </a:lvl1pPr>
           </a:lstStyle>
           <a:p>
-            <a:endParaRPr lang="en-US"/>
+            <a:endParaRPr lang="en-US" dirty="0"/>
           </a:p>
         </p:txBody>
       </p:sp>
@@ -208,9 +208,9 @@
           <a:p>
             <a:fld id="{F5CC4B3F-88C1-4FFA-B1B6-F41C21DC6924}" type="datetimeFigureOut">
               <a:rPr lang="en-US" smtClean="0"/>
-              <a:t>3/6/2018</a:t>
+              <a:t>3/8/2018</a:t>
             </a:fld>
-            <a:endParaRPr lang="en-US"/>
+            <a:endParaRPr lang="en-US" dirty="0"/>
           </a:p>
         </p:txBody>
       </p:sp>
@@ -243,7 +243,7 @@
           <a:bodyPr vert="horz" lIns="91440" tIns="45720" rIns="91440" bIns="45720" rtlCol="0" anchor="ctr"/>
           <a:lstStyle/>
           <a:p>
-            <a:endParaRPr lang="en-US"/>
+            <a:endParaRPr lang="en-US" dirty="0"/>
           </a:p>
         </p:txBody>
       </p:sp>
@@ -333,7 +333,7 @@
             </a:lvl1pPr>
           </a:lstStyle>
           <a:p>
-            <a:endParaRPr lang="en-US"/>
+            <a:endParaRPr lang="en-US" dirty="0"/>
           </a:p>
         </p:txBody>
       </p:sp>
@@ -368,7 +368,7 @@
               <a:rPr lang="en-US" smtClean="0"/>
               <a:t>‹#›</a:t>
             </a:fld>
-            <a:endParaRPr lang="en-US"/>
+            <a:endParaRPr lang="en-US" dirty="0"/>
           </a:p>
         </p:txBody>
       </p:sp>
@@ -654,9 +654,9 @@
           <a:p>
             <a:fld id="{78C97017-6FC3-485B-9764-EAC9E56C1D49}" type="datetimeFigureOut">
               <a:rPr lang="en-US" smtClean="0"/>
-              <a:t>3/6/2018</a:t>
+              <a:t>3/8/2018</a:t>
             </a:fld>
-            <a:endParaRPr lang="en-US"/>
+            <a:endParaRPr lang="en-US" dirty="0"/>
           </a:p>
         </p:txBody>
       </p:sp>
@@ -675,7 +675,7 @@
           <a:bodyPr/>
           <a:lstStyle/>
           <a:p>
-            <a:endParaRPr lang="en-US"/>
+            <a:endParaRPr lang="en-US" dirty="0"/>
           </a:p>
         </p:txBody>
       </p:sp>
@@ -698,7 +698,7 @@
               <a:rPr lang="en-US" smtClean="0"/>
               <a:t>‹#›</a:t>
             </a:fld>
-            <a:endParaRPr lang="en-US"/>
+            <a:endParaRPr lang="en-US" dirty="0"/>
           </a:p>
         </p:txBody>
       </p:sp>
@@ -822,9 +822,9 @@
           <a:p>
             <a:fld id="{78C97017-6FC3-485B-9764-EAC9E56C1D49}" type="datetimeFigureOut">
               <a:rPr lang="en-US" smtClean="0"/>
-              <a:t>3/6/2018</a:t>
+              <a:t>3/8/2018</a:t>
             </a:fld>
-            <a:endParaRPr lang="en-US"/>
+            <a:endParaRPr lang="en-US" dirty="0"/>
           </a:p>
         </p:txBody>
       </p:sp>
@@ -843,7 +843,7 @@
           <a:bodyPr/>
           <a:lstStyle/>
           <a:p>
-            <a:endParaRPr lang="en-US"/>
+            <a:endParaRPr lang="en-US" dirty="0"/>
           </a:p>
         </p:txBody>
       </p:sp>
@@ -866,7 +866,7 @@
               <a:rPr lang="en-US" smtClean="0"/>
               <a:t>‹#›</a:t>
             </a:fld>
-            <a:endParaRPr lang="en-US"/>
+            <a:endParaRPr lang="en-US" dirty="0"/>
           </a:p>
         </p:txBody>
       </p:sp>
@@ -1000,9 +1000,9 @@
           <a:p>
             <a:fld id="{78C97017-6FC3-485B-9764-EAC9E56C1D49}" type="datetimeFigureOut">
               <a:rPr lang="en-US" smtClean="0"/>
-              <a:t>3/6/2018</a:t>
+              <a:t>3/8/2018</a:t>
             </a:fld>
-            <a:endParaRPr lang="en-US"/>
+            <a:endParaRPr lang="en-US" dirty="0"/>
           </a:p>
         </p:txBody>
       </p:sp>
@@ -1021,7 +1021,7 @@
           <a:bodyPr/>
           <a:lstStyle/>
           <a:p>
-            <a:endParaRPr lang="en-US"/>
+            <a:endParaRPr lang="en-US" dirty="0"/>
           </a:p>
         </p:txBody>
       </p:sp>
@@ -1044,7 +1044,7 @@
               <a:rPr lang="en-US" smtClean="0"/>
               <a:t>‹#›</a:t>
             </a:fld>
-            <a:endParaRPr lang="en-US"/>
+            <a:endParaRPr lang="en-US" dirty="0"/>
           </a:p>
         </p:txBody>
       </p:sp>
@@ -1168,9 +1168,9 @@
           <a:p>
             <a:fld id="{78C97017-6FC3-485B-9764-EAC9E56C1D49}" type="datetimeFigureOut">
               <a:rPr lang="en-US" smtClean="0"/>
-              <a:t>3/6/2018</a:t>
+              <a:t>3/8/2018</a:t>
             </a:fld>
-            <a:endParaRPr lang="en-US"/>
+            <a:endParaRPr lang="en-US" dirty="0"/>
           </a:p>
         </p:txBody>
       </p:sp>
@@ -1189,7 +1189,7 @@
           <a:bodyPr/>
           <a:lstStyle/>
           <a:p>
-            <a:endParaRPr lang="en-US"/>
+            <a:endParaRPr lang="en-US" dirty="0"/>
           </a:p>
         </p:txBody>
       </p:sp>
@@ -1212,7 +1212,7 @@
               <a:rPr lang="en-US" smtClean="0"/>
               <a:t>‹#›</a:t>
             </a:fld>
-            <a:endParaRPr lang="en-US"/>
+            <a:endParaRPr lang="en-US" dirty="0"/>
           </a:p>
         </p:txBody>
       </p:sp>
@@ -1413,9 +1413,9 @@
           <a:p>
             <a:fld id="{78C97017-6FC3-485B-9764-EAC9E56C1D49}" type="datetimeFigureOut">
               <a:rPr lang="en-US" smtClean="0"/>
-              <a:t>3/6/2018</a:t>
+              <a:t>3/8/2018</a:t>
             </a:fld>
-            <a:endParaRPr lang="en-US"/>
+            <a:endParaRPr lang="en-US" dirty="0"/>
           </a:p>
         </p:txBody>
       </p:sp>
@@ -1434,7 +1434,7 @@
           <a:bodyPr/>
           <a:lstStyle/>
           <a:p>
-            <a:endParaRPr lang="en-US"/>
+            <a:endParaRPr lang="en-US" dirty="0"/>
           </a:p>
         </p:txBody>
       </p:sp>
@@ -1457,7 +1457,7 @@
               <a:rPr lang="en-US" smtClean="0"/>
               <a:t>‹#›</a:t>
             </a:fld>
-            <a:endParaRPr lang="en-US"/>
+            <a:endParaRPr lang="en-US" dirty="0"/>
           </a:p>
         </p:txBody>
       </p:sp>
@@ -1698,9 +1698,9 @@
           <a:p>
             <a:fld id="{78C97017-6FC3-485B-9764-EAC9E56C1D49}" type="datetimeFigureOut">
               <a:rPr lang="en-US" smtClean="0"/>
-              <a:t>3/6/2018</a:t>
+              <a:t>3/8/2018</a:t>
             </a:fld>
-            <a:endParaRPr lang="en-US"/>
+            <a:endParaRPr lang="en-US" dirty="0"/>
           </a:p>
         </p:txBody>
       </p:sp>
@@ -1719,7 +1719,7 @@
           <a:bodyPr/>
           <a:lstStyle/>
           <a:p>
-            <a:endParaRPr lang="en-US"/>
+            <a:endParaRPr lang="en-US" dirty="0"/>
           </a:p>
         </p:txBody>
       </p:sp>
@@ -1742,7 +1742,7 @@
               <a:rPr lang="en-US" smtClean="0"/>
               <a:t>‹#›</a:t>
             </a:fld>
-            <a:endParaRPr lang="en-US"/>
+            <a:endParaRPr lang="en-US" dirty="0"/>
           </a:p>
         </p:txBody>
       </p:sp>
@@ -2117,9 +2117,9 @@
           <a:p>
             <a:fld id="{78C97017-6FC3-485B-9764-EAC9E56C1D49}" type="datetimeFigureOut">
               <a:rPr lang="en-US" smtClean="0"/>
-              <a:t>3/6/2018</a:t>
+              <a:t>3/8/2018</a:t>
             </a:fld>
-            <a:endParaRPr lang="en-US"/>
+            <a:endParaRPr lang="en-US" dirty="0"/>
           </a:p>
         </p:txBody>
       </p:sp>
@@ -2138,7 +2138,7 @@
           <a:bodyPr/>
           <a:lstStyle/>
           <a:p>
-            <a:endParaRPr lang="en-US"/>
+            <a:endParaRPr lang="en-US" dirty="0"/>
           </a:p>
         </p:txBody>
       </p:sp>
@@ -2161,7 +2161,7 @@
               <a:rPr lang="en-US" smtClean="0"/>
               <a:t>‹#›</a:t>
             </a:fld>
-            <a:endParaRPr lang="en-US"/>
+            <a:endParaRPr lang="en-US" dirty="0"/>
           </a:p>
         </p:txBody>
       </p:sp>
@@ -2234,9 +2234,9 @@
           <a:p>
             <a:fld id="{78C97017-6FC3-485B-9764-EAC9E56C1D49}" type="datetimeFigureOut">
               <a:rPr lang="en-US" smtClean="0"/>
-              <a:t>3/6/2018</a:t>
+              <a:t>3/8/2018</a:t>
             </a:fld>
-            <a:endParaRPr lang="en-US"/>
+            <a:endParaRPr lang="en-US" dirty="0"/>
           </a:p>
         </p:txBody>
       </p:sp>
@@ -2255,7 +2255,7 @@
           <a:bodyPr/>
           <a:lstStyle/>
           <a:p>
-            <a:endParaRPr lang="en-US"/>
+            <a:endParaRPr lang="en-US" dirty="0"/>
           </a:p>
         </p:txBody>
       </p:sp>
@@ -2278,7 +2278,7 @@
               <a:rPr lang="en-US" smtClean="0"/>
               <a:t>‹#›</a:t>
             </a:fld>
-            <a:endParaRPr lang="en-US"/>
+            <a:endParaRPr lang="en-US" dirty="0"/>
           </a:p>
         </p:txBody>
       </p:sp>
@@ -2329,9 +2329,9 @@
           <a:p>
             <a:fld id="{78C97017-6FC3-485B-9764-EAC9E56C1D49}" type="datetimeFigureOut">
               <a:rPr lang="en-US" smtClean="0"/>
-              <a:t>3/6/2018</a:t>
+              <a:t>3/8/2018</a:t>
             </a:fld>
-            <a:endParaRPr lang="en-US"/>
+            <a:endParaRPr lang="en-US" dirty="0"/>
           </a:p>
         </p:txBody>
       </p:sp>
@@ -2350,7 +2350,7 @@
           <a:bodyPr/>
           <a:lstStyle/>
           <a:p>
-            <a:endParaRPr lang="en-US"/>
+            <a:endParaRPr lang="en-US" dirty="0"/>
           </a:p>
         </p:txBody>
       </p:sp>
@@ -2373,7 +2373,7 @@
               <a:rPr lang="en-US" smtClean="0"/>
               <a:t>‹#›</a:t>
             </a:fld>
-            <a:endParaRPr lang="en-US"/>
+            <a:endParaRPr lang="en-US" dirty="0"/>
           </a:p>
         </p:txBody>
       </p:sp>
@@ -2604,9 +2604,9 @@
           <a:p>
             <a:fld id="{78C97017-6FC3-485B-9764-EAC9E56C1D49}" type="datetimeFigureOut">
               <a:rPr lang="en-US" smtClean="0"/>
-              <a:t>3/6/2018</a:t>
+              <a:t>3/8/2018</a:t>
             </a:fld>
-            <a:endParaRPr lang="en-US"/>
+            <a:endParaRPr lang="en-US" dirty="0"/>
           </a:p>
         </p:txBody>
       </p:sp>
@@ -2625,7 +2625,7 @@
           <a:bodyPr/>
           <a:lstStyle/>
           <a:p>
-            <a:endParaRPr lang="en-US"/>
+            <a:endParaRPr lang="en-US" dirty="0"/>
           </a:p>
         </p:txBody>
       </p:sp>
@@ -2648,7 +2648,7 @@
               <a:rPr lang="en-US" smtClean="0"/>
               <a:t>‹#›</a:t>
             </a:fld>
-            <a:endParaRPr lang="en-US"/>
+            <a:endParaRPr lang="en-US" dirty="0"/>
           </a:p>
         </p:txBody>
       </p:sp>
@@ -2770,7 +2770,7 @@
             </a:lvl9pPr>
           </a:lstStyle>
           <a:p>
-            <a:endParaRPr lang="en-US"/>
+            <a:endParaRPr lang="en-US" dirty="0"/>
           </a:p>
         </p:txBody>
       </p:sp>
@@ -2856,9 +2856,9 @@
           <a:p>
             <a:fld id="{78C97017-6FC3-485B-9764-EAC9E56C1D49}" type="datetimeFigureOut">
               <a:rPr lang="en-US" smtClean="0"/>
-              <a:t>3/6/2018</a:t>
+              <a:t>3/8/2018</a:t>
             </a:fld>
-            <a:endParaRPr lang="en-US"/>
+            <a:endParaRPr lang="en-US" dirty="0"/>
           </a:p>
         </p:txBody>
       </p:sp>
@@ -2877,7 +2877,7 @@
           <a:bodyPr/>
           <a:lstStyle/>
           <a:p>
-            <a:endParaRPr lang="en-US"/>
+            <a:endParaRPr lang="en-US" dirty="0"/>
           </a:p>
         </p:txBody>
       </p:sp>
@@ -2900,7 +2900,7 @@
               <a:rPr lang="en-US" smtClean="0"/>
               <a:t>‹#›</a:t>
             </a:fld>
-            <a:endParaRPr lang="en-US"/>
+            <a:endParaRPr lang="en-US" dirty="0"/>
           </a:p>
         </p:txBody>
       </p:sp>
@@ -3067,9 +3067,9 @@
           <a:p>
             <a:fld id="{78C97017-6FC3-485B-9764-EAC9E56C1D49}" type="datetimeFigureOut">
               <a:rPr lang="en-US" smtClean="0"/>
-              <a:t>3/6/2018</a:t>
+              <a:t>3/8/2018</a:t>
             </a:fld>
-            <a:endParaRPr lang="en-US"/>
+            <a:endParaRPr lang="en-US" dirty="0"/>
           </a:p>
         </p:txBody>
       </p:sp>
@@ -3106,7 +3106,7 @@
             </a:lvl1pPr>
           </a:lstStyle>
           <a:p>
-            <a:endParaRPr lang="en-US"/>
+            <a:endParaRPr lang="en-US" dirty="0"/>
           </a:p>
         </p:txBody>
       </p:sp>
@@ -3147,7 +3147,7 @@
               <a:rPr lang="en-US" smtClean="0"/>
               <a:t>‹#›</a:t>
             </a:fld>
-            <a:endParaRPr lang="en-US"/>
+            <a:endParaRPr lang="en-US" dirty="0"/>
           </a:p>
         </p:txBody>
       </p:sp>
@@ -3547,7 +3547,7 @@
           <a:p>
             <a:pPr algn="ctr"/>
             <a:r>
-              <a:rPr lang="en-US" sz="1050" dirty="0" err="1">
+              <a:rPr lang="en-US" sz="1050" dirty="0">
                 <a:solidFill>
                   <a:schemeClr val="bg1"/>
                 </a:solidFill>
@@ -3606,7 +3606,7 @@
           <a:p>
             <a:pPr algn="ctr"/>
             <a:r>
-              <a:rPr lang="en-US" sz="1050" dirty="0" err="1">
+              <a:rPr lang="en-US" sz="1050" dirty="0">
                 <a:solidFill>
                   <a:schemeClr val="bg1"/>
                 </a:solidFill>
@@ -3778,7 +3778,7 @@
           <a:lstStyle/>
           <a:p>
             <a:pPr algn="ctr"/>
-            <a:endParaRPr lang="en-SG" sz="1050"/>
+            <a:endParaRPr lang="en-SG" sz="1050" dirty="0"/>
           </a:p>
         </p:txBody>
       </p:sp>
@@ -3948,7 +3948,7 @@
           <a:lstStyle/>
           <a:p>
             <a:pPr algn="ctr"/>
-            <a:endParaRPr lang="en-US" sz="1050"/>
+            <a:endParaRPr lang="en-US" sz="1050" dirty="0"/>
           </a:p>
         </p:txBody>
       </p:sp>
@@ -3993,7 +3993,7 @@
           <a:p>
             <a:pPr algn="ctr"/>
             <a:r>
-              <a:rPr lang="en-US" sz="1050" dirty="0" err="1">
+              <a:rPr lang="en-US" sz="1050" dirty="0">
                 <a:solidFill>
                   <a:srgbClr val="7030A0"/>
                 </a:solidFill>
@@ -4090,7 +4090,7 @@
           <a:lstStyle/>
           <a:p>
             <a:pPr algn="ctr"/>
-            <a:endParaRPr lang="en-US" sz="1050"/>
+            <a:endParaRPr lang="en-US" sz="1050" dirty="0"/>
           </a:p>
         </p:txBody>
       </p:sp>
@@ -4135,7 +4135,7 @@
           <a:p>
             <a:pPr algn="ctr"/>
             <a:r>
-              <a:rPr lang="en-US" sz="1050" dirty="0" err="1">
+              <a:rPr lang="en-US" sz="1050" dirty="0">
                 <a:solidFill>
                   <a:srgbClr val="7030A0"/>
                 </a:solidFill>
@@ -4193,7 +4193,7 @@
           <a:lstStyle/>
           <a:p>
             <a:pPr algn="ctr"/>
-            <a:endParaRPr lang="en-US" sz="1050"/>
+            <a:endParaRPr lang="en-US" sz="1050" dirty="0"/>
           </a:p>
         </p:txBody>
       </p:sp>
@@ -4279,7 +4279,7 @@
           <a:p>
             <a:pPr algn="ctr"/>
             <a:r>
-              <a:rPr lang="en-US" sz="1050" dirty="0" err="1">
+              <a:rPr lang="en-US" sz="1050" dirty="0">
                 <a:solidFill>
                   <a:srgbClr val="7030A0"/>
                 </a:solidFill>
@@ -4434,7 +4434,7 @@
           <a:lstStyle/>
           <a:p>
             <a:pPr algn="ctr"/>
-            <a:endParaRPr lang="en-US" sz="1050"/>
+            <a:endParaRPr lang="en-US" sz="1050" dirty="0"/>
           </a:p>
         </p:txBody>
       </p:sp>
@@ -4576,7 +4576,7 @@
           <a:lstStyle/>
           <a:p>
             <a:pPr algn="ctr"/>
-            <a:endParaRPr lang="en-US" sz="1050"/>
+            <a:endParaRPr lang="en-US" sz="1050" dirty="0"/>
           </a:p>
         </p:txBody>
       </p:sp>
@@ -4720,7 +4720,7 @@
           <a:lstStyle/>
           <a:p>
             <a:pPr algn="ctr"/>
-            <a:endParaRPr lang="en-US" sz="1050"/>
+            <a:endParaRPr lang="en-US" sz="1050" dirty="0"/>
           </a:p>
         </p:txBody>
       </p:sp>
@@ -5139,7 +5139,7 @@
           <a:lstStyle/>
           <a:p>
             <a:pPr algn="ctr"/>
-            <a:endParaRPr lang="en-SG" sz="1050" b="1">
+            <a:endParaRPr lang="en-SG" sz="1050" b="1" dirty="0">
               <a:solidFill>
                 <a:srgbClr val="92D050"/>
               </a:solidFill>
@@ -5203,7 +5203,7 @@
               </a:rPr>
             </a:br>
             <a:r>
-              <a:rPr lang="en-US" sz="1050" dirty="0" err="1">
+              <a:rPr lang="en-US" sz="1050" dirty="0">
                 <a:solidFill>
                   <a:srgbClr val="7030A0"/>
                 </a:solidFill>
@@ -5306,14 +5306,14 @@
               <a:t>&lt;&lt;interface&gt;&gt;</a:t>
             </a:r>
             <a:br>
-              <a:rPr lang="en-US" sz="1050">
+              <a:rPr lang="en-US" sz="1050" dirty="0">
                 <a:solidFill>
                   <a:srgbClr val="7030A0"/>
                 </a:solidFill>
               </a:rPr>
             </a:br>
             <a:r>
-              <a:rPr lang="en-US" sz="1050" dirty="0" err="1">
+              <a:rPr lang="en-US" sz="1050" dirty="0">
                 <a:solidFill>
                   <a:srgbClr val="7030A0"/>
                 </a:solidFill>

--- a/docs/diagrams/ModelComponentClassDiagram.pptx
+++ b/docs/diagrams/ModelComponentClassDiagram.pptx
@@ -126,6 +126,67 @@
 </p:presentation>
 </file>
 
+<file path=ppt/changesInfos/changesInfo1.xml><?xml version="1.0" encoding="utf-8"?>
+<pc:chgInfo xmlns:a="http://schemas.openxmlformats.org/drawingml/2006/main" xmlns:r="http://schemas.openxmlformats.org/officeDocument/2006/relationships" xmlns:ac="http://schemas.microsoft.com/office/drawing/2013/main/command" xmlns:pc="http://schemas.microsoft.com/office/powerpoint/2013/main/command">
+  <pc:docChgLst>
+    <pc:chgData name="Chan Jun Yuan" userId="30ea8f8e1118c6fe" providerId="LiveId" clId="{83C5CCA8-C707-472C-BE06-33FB9B093A89}"/>
+    <pc:docChg chg="undo modSld">
+      <pc:chgData name="Chan Jun Yuan" userId="30ea8f8e1118c6fe" providerId="LiveId" clId="{83C5CCA8-C707-472C-BE06-33FB9B093A89}" dt="2018-03-10T07:56:02.819" v="18" actId="14100"/>
+      <pc:docMkLst>
+        <pc:docMk/>
+      </pc:docMkLst>
+      <pc:sldChg chg="modSp">
+        <pc:chgData name="Chan Jun Yuan" userId="30ea8f8e1118c6fe" providerId="LiveId" clId="{83C5CCA8-C707-472C-BE06-33FB9B093A89}" dt="2018-03-10T07:56:02.819" v="18" actId="14100"/>
+        <pc:sldMkLst>
+          <pc:docMk/>
+          <pc:sldMk cId="2396968029" sldId="263"/>
+        </pc:sldMkLst>
+        <pc:spChg chg="mod">
+          <ac:chgData name="Chan Jun Yuan" userId="30ea8f8e1118c6fe" providerId="LiveId" clId="{83C5CCA8-C707-472C-BE06-33FB9B093A89}" dt="2018-03-10T07:56:02.819" v="18" actId="14100"/>
+          <ac:spMkLst>
+            <pc:docMk/>
+            <pc:sldMk cId="2396968029" sldId="263"/>
+            <ac:spMk id="49" creationId="{00000000-0000-0000-0000-000000000000}"/>
+          </ac:spMkLst>
+        </pc:spChg>
+        <pc:spChg chg="mod">
+          <ac:chgData name="Chan Jun Yuan" userId="30ea8f8e1118c6fe" providerId="LiveId" clId="{83C5CCA8-C707-472C-BE06-33FB9B093A89}" dt="2018-03-10T07:55:54.166" v="16" actId="1076"/>
+          <ac:spMkLst>
+            <pc:docMk/>
+            <pc:sldMk cId="2396968029" sldId="263"/>
+            <ac:spMk id="63" creationId="{00000000-0000-0000-0000-000000000000}"/>
+          </ac:spMkLst>
+        </pc:spChg>
+        <pc:spChg chg="mod">
+          <ac:chgData name="Chan Jun Yuan" userId="30ea8f8e1118c6fe" providerId="LiveId" clId="{83C5CCA8-C707-472C-BE06-33FB9B093A89}" dt="2018-03-10T07:55:55.635" v="17" actId="1076"/>
+          <ac:spMkLst>
+            <pc:docMk/>
+            <pc:sldMk cId="2396968029" sldId="263"/>
+            <ac:spMk id="118" creationId="{00000000-0000-0000-0000-000000000000}"/>
+          </ac:spMkLst>
+        </pc:spChg>
+        <pc:cxnChg chg="mod">
+          <ac:chgData name="Chan Jun Yuan" userId="30ea8f8e1118c6fe" providerId="LiveId" clId="{83C5CCA8-C707-472C-BE06-33FB9B093A89}" dt="2018-03-10T07:56:02.819" v="18" actId="14100"/>
+          <ac:cxnSpMkLst>
+            <pc:docMk/>
+            <pc:sldMk cId="2396968029" sldId="263"/>
+            <ac:cxnSpMk id="30" creationId="{00000000-0000-0000-0000-000000000000}"/>
+          </ac:cxnSpMkLst>
+        </pc:cxnChg>
+        <pc:cxnChg chg="mod">
+          <ac:chgData name="Chan Jun Yuan" userId="30ea8f8e1118c6fe" providerId="LiveId" clId="{83C5CCA8-C707-472C-BE06-33FB9B093A89}" dt="2018-03-10T07:55:54.166" v="16" actId="1076"/>
+          <ac:cxnSpMkLst>
+            <pc:docMk/>
+            <pc:sldMk cId="2396968029" sldId="263"/>
+            <ac:cxnSpMk id="64" creationId="{00000000-0000-0000-0000-000000000000}"/>
+          </ac:cxnSpMkLst>
+        </pc:cxnChg>
+      </pc:sldChg>
+    </pc:docChg>
+  </pc:docChgLst>
+</pc:chgInfo>
+</file>
+
 <file path=ppt/notesMasters/notesMaster1.xml><?xml version="1.0" encoding="utf-8"?>
 <p:notesMaster xmlns:a="http://schemas.openxmlformats.org/drawingml/2006/main" xmlns:r="http://schemas.openxmlformats.org/officeDocument/2006/relationships" xmlns:p="http://schemas.openxmlformats.org/presentationml/2006/main">
   <p:cSld>
@@ -208,7 +269,7 @@
           <a:p>
             <a:fld id="{F5CC4B3F-88C1-4FFA-B1B6-F41C21DC6924}" type="datetimeFigureOut">
               <a:rPr lang="en-US" smtClean="0"/>
-              <a:t>3/8/2018</a:t>
+              <a:t>3/10/2018</a:t>
             </a:fld>
             <a:endParaRPr lang="en-US" dirty="0"/>
           </a:p>
@@ -654,7 +715,7 @@
           <a:p>
             <a:fld id="{78C97017-6FC3-485B-9764-EAC9E56C1D49}" type="datetimeFigureOut">
               <a:rPr lang="en-US" smtClean="0"/>
-              <a:t>3/8/2018</a:t>
+              <a:t>3/10/2018</a:t>
             </a:fld>
             <a:endParaRPr lang="en-US" dirty="0"/>
           </a:p>
@@ -822,7 +883,7 @@
           <a:p>
             <a:fld id="{78C97017-6FC3-485B-9764-EAC9E56C1D49}" type="datetimeFigureOut">
               <a:rPr lang="en-US" smtClean="0"/>
-              <a:t>3/8/2018</a:t>
+              <a:t>3/10/2018</a:t>
             </a:fld>
             <a:endParaRPr lang="en-US" dirty="0"/>
           </a:p>
@@ -1000,7 +1061,7 @@
           <a:p>
             <a:fld id="{78C97017-6FC3-485B-9764-EAC9E56C1D49}" type="datetimeFigureOut">
               <a:rPr lang="en-US" smtClean="0"/>
-              <a:t>3/8/2018</a:t>
+              <a:t>3/10/2018</a:t>
             </a:fld>
             <a:endParaRPr lang="en-US" dirty="0"/>
           </a:p>
@@ -1168,7 +1229,7 @@
           <a:p>
             <a:fld id="{78C97017-6FC3-485B-9764-EAC9E56C1D49}" type="datetimeFigureOut">
               <a:rPr lang="en-US" smtClean="0"/>
-              <a:t>3/8/2018</a:t>
+              <a:t>3/10/2018</a:t>
             </a:fld>
             <a:endParaRPr lang="en-US" dirty="0"/>
           </a:p>
@@ -1413,7 +1474,7 @@
           <a:p>
             <a:fld id="{78C97017-6FC3-485B-9764-EAC9E56C1D49}" type="datetimeFigureOut">
               <a:rPr lang="en-US" smtClean="0"/>
-              <a:t>3/8/2018</a:t>
+              <a:t>3/10/2018</a:t>
             </a:fld>
             <a:endParaRPr lang="en-US" dirty="0"/>
           </a:p>
@@ -1698,7 +1759,7 @@
           <a:p>
             <a:fld id="{78C97017-6FC3-485B-9764-EAC9E56C1D49}" type="datetimeFigureOut">
               <a:rPr lang="en-US" smtClean="0"/>
-              <a:t>3/8/2018</a:t>
+              <a:t>3/10/2018</a:t>
             </a:fld>
             <a:endParaRPr lang="en-US" dirty="0"/>
           </a:p>
@@ -2117,7 +2178,7 @@
           <a:p>
             <a:fld id="{78C97017-6FC3-485B-9764-EAC9E56C1D49}" type="datetimeFigureOut">
               <a:rPr lang="en-US" smtClean="0"/>
-              <a:t>3/8/2018</a:t>
+              <a:t>3/10/2018</a:t>
             </a:fld>
             <a:endParaRPr lang="en-US" dirty="0"/>
           </a:p>
@@ -2234,7 +2295,7 @@
           <a:p>
             <a:fld id="{78C97017-6FC3-485B-9764-EAC9E56C1D49}" type="datetimeFigureOut">
               <a:rPr lang="en-US" smtClean="0"/>
-              <a:t>3/8/2018</a:t>
+              <a:t>3/10/2018</a:t>
             </a:fld>
             <a:endParaRPr lang="en-US" dirty="0"/>
           </a:p>
@@ -2329,7 +2390,7 @@
           <a:p>
             <a:fld id="{78C97017-6FC3-485B-9764-EAC9E56C1D49}" type="datetimeFigureOut">
               <a:rPr lang="en-US" smtClean="0"/>
-              <a:t>3/8/2018</a:t>
+              <a:t>3/10/2018</a:t>
             </a:fld>
             <a:endParaRPr lang="en-US" dirty="0"/>
           </a:p>
@@ -2604,7 +2665,7 @@
           <a:p>
             <a:fld id="{78C97017-6FC3-485B-9764-EAC9E56C1D49}" type="datetimeFigureOut">
               <a:rPr lang="en-US" smtClean="0"/>
-              <a:t>3/8/2018</a:t>
+              <a:t>3/10/2018</a:t>
             </a:fld>
             <a:endParaRPr lang="en-US" dirty="0"/>
           </a:p>
@@ -2856,7 +2917,7 @@
           <a:p>
             <a:fld id="{78C97017-6FC3-485B-9764-EAC9E56C1D49}" type="datetimeFigureOut">
               <a:rPr lang="en-US" smtClean="0"/>
-              <a:t>3/8/2018</a:t>
+              <a:t>3/10/2018</a:t>
             </a:fld>
             <a:endParaRPr lang="en-US" dirty="0"/>
           </a:p>
@@ -3067,7 +3128,7 @@
           <a:p>
             <a:fld id="{78C97017-6FC3-485B-9764-EAC9E56C1D49}" type="datetimeFigureOut">
               <a:rPr lang="en-US" smtClean="0"/>
-              <a:t>3/8/2018</a:t>
+              <a:t>3/10/2018</a:t>
             </a:fld>
             <a:endParaRPr lang="en-US" dirty="0"/>
           </a:p>
@@ -4102,8 +4163,8 @@
         </p:nvSpPr>
         <p:spPr>
           <a:xfrm>
-            <a:off x="4487017" y="2847371"/>
-            <a:ext cx="1156969" cy="346760"/>
+            <a:off x="4487016" y="2847371"/>
+            <a:ext cx="1213837" cy="346760"/>
           </a:xfrm>
           <a:prstGeom prst="rect">
             <a:avLst/>
@@ -4140,7 +4201,7 @@
                   <a:srgbClr val="7030A0"/>
                 </a:solidFill>
               </a:rPr>
-              <a:t>UniquePersonList</a:t>
+              <a:t>UniqueCinemaList</a:t>
             </a:r>
             <a:endParaRPr lang="en-SG" sz="1050" dirty="0">
               <a:solidFill>
@@ -4201,6 +4262,7 @@
         <p:nvCxnSpPr>
           <p:cNvPr id="30" name="Elbow Connector 29"/>
           <p:cNvCxnSpPr>
+            <a:cxnSpLocks/>
             <a:stCxn id="51" idx="3"/>
             <a:endCxn id="49" idx="1"/>
           </p:cNvCxnSpPr>
@@ -4209,7 +4271,7 @@
         <p:spPr>
           <a:xfrm>
             <a:off x="4220351" y="2760681"/>
-            <a:ext cx="266666" cy="260070"/>
+            <a:ext cx="266665" cy="260070"/>
           </a:xfrm>
           <a:prstGeom prst="bentConnector3">
             <a:avLst/>
@@ -4401,7 +4463,7 @@
         </p:nvSpPr>
         <p:spPr>
           <a:xfrm>
-            <a:off x="5643227" y="2943979"/>
+            <a:off x="5707552" y="2943979"/>
             <a:ext cx="236048" cy="173380"/>
           </a:xfrm>
           <a:prstGeom prst="flowChartDecision">
@@ -4442,6 +4504,7 @@
         <p:nvCxnSpPr>
           <p:cNvPr id="64" name="Elbow Connector 63"/>
           <p:cNvCxnSpPr>
+            <a:cxnSpLocks/>
             <a:stCxn id="63" idx="3"/>
             <a:endCxn id="62" idx="1"/>
           </p:cNvCxnSpPr>
@@ -4449,8 +4512,8 @@
         </p:nvCxnSpPr>
         <p:spPr>
           <a:xfrm>
-            <a:off x="5879275" y="3030669"/>
-            <a:ext cx="434402" cy="777"/>
+            <a:off x="5943600" y="3030669"/>
+            <a:ext cx="370077" cy="777"/>
           </a:xfrm>
           <a:prstGeom prst="bentConnector3">
             <a:avLst/>

--- a/docs/diagrams/ModelComponentClassDiagram.pptx
+++ b/docs/diagrams/ModelComponentClassDiagram.pptx
@@ -208,7 +208,7 @@
           <a:p>
             <a:fld id="{F5CC4B3F-88C1-4FFA-B1B6-F41C21DC6924}" type="datetimeFigureOut">
               <a:rPr lang="en-US" smtClean="0"/>
-              <a:t>3/8/2018</a:t>
+              <a:t>3/14/2018</a:t>
             </a:fld>
             <a:endParaRPr lang="en-US" dirty="0"/>
           </a:p>
@@ -654,7 +654,7 @@
           <a:p>
             <a:fld id="{78C97017-6FC3-485B-9764-EAC9E56C1D49}" type="datetimeFigureOut">
               <a:rPr lang="en-US" smtClean="0"/>
-              <a:t>3/8/2018</a:t>
+              <a:t>3/14/2018</a:t>
             </a:fld>
             <a:endParaRPr lang="en-US" dirty="0"/>
           </a:p>
@@ -822,7 +822,7 @@
           <a:p>
             <a:fld id="{78C97017-6FC3-485B-9764-EAC9E56C1D49}" type="datetimeFigureOut">
               <a:rPr lang="en-US" smtClean="0"/>
-              <a:t>3/8/2018</a:t>
+              <a:t>3/14/2018</a:t>
             </a:fld>
             <a:endParaRPr lang="en-US" dirty="0"/>
           </a:p>
@@ -1000,7 +1000,7 @@
           <a:p>
             <a:fld id="{78C97017-6FC3-485B-9764-EAC9E56C1D49}" type="datetimeFigureOut">
               <a:rPr lang="en-US" smtClean="0"/>
-              <a:t>3/8/2018</a:t>
+              <a:t>3/14/2018</a:t>
             </a:fld>
             <a:endParaRPr lang="en-US" dirty="0"/>
           </a:p>
@@ -1168,7 +1168,7 @@
           <a:p>
             <a:fld id="{78C97017-6FC3-485B-9764-EAC9E56C1D49}" type="datetimeFigureOut">
               <a:rPr lang="en-US" smtClean="0"/>
-              <a:t>3/8/2018</a:t>
+              <a:t>3/14/2018</a:t>
             </a:fld>
             <a:endParaRPr lang="en-US" dirty="0"/>
           </a:p>
@@ -1413,7 +1413,7 @@
           <a:p>
             <a:fld id="{78C97017-6FC3-485B-9764-EAC9E56C1D49}" type="datetimeFigureOut">
               <a:rPr lang="en-US" smtClean="0"/>
-              <a:t>3/8/2018</a:t>
+              <a:t>3/14/2018</a:t>
             </a:fld>
             <a:endParaRPr lang="en-US" dirty="0"/>
           </a:p>
@@ -1698,7 +1698,7 @@
           <a:p>
             <a:fld id="{78C97017-6FC3-485B-9764-EAC9E56C1D49}" type="datetimeFigureOut">
               <a:rPr lang="en-US" smtClean="0"/>
-              <a:t>3/8/2018</a:t>
+              <a:t>3/14/2018</a:t>
             </a:fld>
             <a:endParaRPr lang="en-US" dirty="0"/>
           </a:p>
@@ -2117,7 +2117,7 @@
           <a:p>
             <a:fld id="{78C97017-6FC3-485B-9764-EAC9E56C1D49}" type="datetimeFigureOut">
               <a:rPr lang="en-US" smtClean="0"/>
-              <a:t>3/8/2018</a:t>
+              <a:t>3/14/2018</a:t>
             </a:fld>
             <a:endParaRPr lang="en-US" dirty="0"/>
           </a:p>
@@ -2234,7 +2234,7 @@
           <a:p>
             <a:fld id="{78C97017-6FC3-485B-9764-EAC9E56C1D49}" type="datetimeFigureOut">
               <a:rPr lang="en-US" smtClean="0"/>
-              <a:t>3/8/2018</a:t>
+              <a:t>3/14/2018</a:t>
             </a:fld>
             <a:endParaRPr lang="en-US" dirty="0"/>
           </a:p>
@@ -2329,7 +2329,7 @@
           <a:p>
             <a:fld id="{78C97017-6FC3-485B-9764-EAC9E56C1D49}" type="datetimeFigureOut">
               <a:rPr lang="en-US" smtClean="0"/>
-              <a:t>3/8/2018</a:t>
+              <a:t>3/14/2018</a:t>
             </a:fld>
             <a:endParaRPr lang="en-US" dirty="0"/>
           </a:p>
@@ -2604,7 +2604,7 @@
           <a:p>
             <a:fld id="{78C97017-6FC3-485B-9764-EAC9E56C1D49}" type="datetimeFigureOut">
               <a:rPr lang="en-US" smtClean="0"/>
-              <a:t>3/8/2018</a:t>
+              <a:t>3/14/2018</a:t>
             </a:fld>
             <a:endParaRPr lang="en-US" dirty="0"/>
           </a:p>
@@ -2856,7 +2856,7 @@
           <a:p>
             <a:fld id="{78C97017-6FC3-485B-9764-EAC9E56C1D49}" type="datetimeFigureOut">
               <a:rPr lang="en-US" smtClean="0"/>
-              <a:t>3/8/2018</a:t>
+              <a:t>3/14/2018</a:t>
             </a:fld>
             <a:endParaRPr lang="en-US" dirty="0"/>
           </a:p>
@@ -3067,7 +3067,7 @@
           <a:p>
             <a:fld id="{78C97017-6FC3-485B-9764-EAC9E56C1D49}" type="datetimeFigureOut">
               <a:rPr lang="en-US" smtClean="0"/>
-              <a:t>3/8/2018</a:t>
+              <a:t>3/14/2018</a:t>
             </a:fld>
             <a:endParaRPr lang="en-US" dirty="0"/>
           </a:p>
@@ -3998,7 +3998,7 @@
                   <a:srgbClr val="7030A0"/>
                 </a:solidFill>
               </a:rPr>
-              <a:t>AddressBook</a:t>
+              <a:t>MoviePlanner</a:t>
             </a:r>
             <a:endParaRPr lang="en-SG" sz="1050" dirty="0">
               <a:solidFill>
@@ -4135,14 +4135,14 @@
           <a:p>
             <a:pPr algn="ctr"/>
             <a:r>
-              <a:rPr lang="en-US" sz="1050" dirty="0">
+              <a:rPr lang="en-US" sz="1000" dirty="0">
                 <a:solidFill>
                   <a:srgbClr val="7030A0"/>
                 </a:solidFill>
               </a:rPr>
-              <a:t>UniquePersonList</a:t>
-            </a:r>
-            <a:endParaRPr lang="en-SG" sz="1050" dirty="0">
+              <a:t>UniqueCinemaList</a:t>
+            </a:r>
+            <a:endParaRPr lang="en-SG" sz="1000" dirty="0">
               <a:solidFill>
                 <a:srgbClr val="7030A0"/>
               </a:solidFill>
@@ -5208,7 +5208,7 @@
                   <a:srgbClr val="7030A0"/>
                 </a:solidFill>
               </a:rPr>
-              <a:t>ReadOnlyAddressBook</a:t>
+              <a:t>ReadOnlyMoviePlanner</a:t>
             </a:r>
             <a:endParaRPr lang="en-SG" sz="1050" dirty="0">
               <a:solidFill>

--- a/docs/diagrams/ModelComponentClassDiagram.pptx
+++ b/docs/diagrams/ModelComponentClassDiagram.pptx
@@ -208,7 +208,7 @@
           <a:p>
             <a:fld id="{F5CC4B3F-88C1-4FFA-B1B6-F41C21DC6924}" type="datetimeFigureOut">
               <a:rPr lang="en-US" smtClean="0"/>
-              <a:t>3/14/2018</a:t>
+              <a:t>3/19/2018</a:t>
             </a:fld>
             <a:endParaRPr lang="en-US" dirty="0"/>
           </a:p>
@@ -654,7 +654,7 @@
           <a:p>
             <a:fld id="{78C97017-6FC3-485B-9764-EAC9E56C1D49}" type="datetimeFigureOut">
               <a:rPr lang="en-US" smtClean="0"/>
-              <a:t>3/14/2018</a:t>
+              <a:t>3/19/2018</a:t>
             </a:fld>
             <a:endParaRPr lang="en-US" dirty="0"/>
           </a:p>
@@ -822,7 +822,7 @@
           <a:p>
             <a:fld id="{78C97017-6FC3-485B-9764-EAC9E56C1D49}" type="datetimeFigureOut">
               <a:rPr lang="en-US" smtClean="0"/>
-              <a:t>3/14/2018</a:t>
+              <a:t>3/19/2018</a:t>
             </a:fld>
             <a:endParaRPr lang="en-US" dirty="0"/>
           </a:p>
@@ -1000,7 +1000,7 @@
           <a:p>
             <a:fld id="{78C97017-6FC3-485B-9764-EAC9E56C1D49}" type="datetimeFigureOut">
               <a:rPr lang="en-US" smtClean="0"/>
-              <a:t>3/14/2018</a:t>
+              <a:t>3/19/2018</a:t>
             </a:fld>
             <a:endParaRPr lang="en-US" dirty="0"/>
           </a:p>
@@ -1168,7 +1168,7 @@
           <a:p>
             <a:fld id="{78C97017-6FC3-485B-9764-EAC9E56C1D49}" type="datetimeFigureOut">
               <a:rPr lang="en-US" smtClean="0"/>
-              <a:t>3/14/2018</a:t>
+              <a:t>3/19/2018</a:t>
             </a:fld>
             <a:endParaRPr lang="en-US" dirty="0"/>
           </a:p>
@@ -1413,7 +1413,7 @@
           <a:p>
             <a:fld id="{78C97017-6FC3-485B-9764-EAC9E56C1D49}" type="datetimeFigureOut">
               <a:rPr lang="en-US" smtClean="0"/>
-              <a:t>3/14/2018</a:t>
+              <a:t>3/19/2018</a:t>
             </a:fld>
             <a:endParaRPr lang="en-US" dirty="0"/>
           </a:p>
@@ -1698,7 +1698,7 @@
           <a:p>
             <a:fld id="{78C97017-6FC3-485B-9764-EAC9E56C1D49}" type="datetimeFigureOut">
               <a:rPr lang="en-US" smtClean="0"/>
-              <a:t>3/14/2018</a:t>
+              <a:t>3/19/2018</a:t>
             </a:fld>
             <a:endParaRPr lang="en-US" dirty="0"/>
           </a:p>
@@ -2117,7 +2117,7 @@
           <a:p>
             <a:fld id="{78C97017-6FC3-485B-9764-EAC9E56C1D49}" type="datetimeFigureOut">
               <a:rPr lang="en-US" smtClean="0"/>
-              <a:t>3/14/2018</a:t>
+              <a:t>3/19/2018</a:t>
             </a:fld>
             <a:endParaRPr lang="en-US" dirty="0"/>
           </a:p>
@@ -2234,7 +2234,7 @@
           <a:p>
             <a:fld id="{78C97017-6FC3-485B-9764-EAC9E56C1D49}" type="datetimeFigureOut">
               <a:rPr lang="en-US" smtClean="0"/>
-              <a:t>3/14/2018</a:t>
+              <a:t>3/19/2018</a:t>
             </a:fld>
             <a:endParaRPr lang="en-US" dirty="0"/>
           </a:p>
@@ -2329,7 +2329,7 @@
           <a:p>
             <a:fld id="{78C97017-6FC3-485B-9764-EAC9E56C1D49}" type="datetimeFigureOut">
               <a:rPr lang="en-US" smtClean="0"/>
-              <a:t>3/14/2018</a:t>
+              <a:t>3/19/2018</a:t>
             </a:fld>
             <a:endParaRPr lang="en-US" dirty="0"/>
           </a:p>
@@ -2604,7 +2604,7 @@
           <a:p>
             <a:fld id="{78C97017-6FC3-485B-9764-EAC9E56C1D49}" type="datetimeFigureOut">
               <a:rPr lang="en-US" smtClean="0"/>
-              <a:t>3/14/2018</a:t>
+              <a:t>3/19/2018</a:t>
             </a:fld>
             <a:endParaRPr lang="en-US" dirty="0"/>
           </a:p>
@@ -2856,7 +2856,7 @@
           <a:p>
             <a:fld id="{78C97017-6FC3-485B-9764-EAC9E56C1D49}" type="datetimeFigureOut">
               <a:rPr lang="en-US" smtClean="0"/>
-              <a:t>3/14/2018</a:t>
+              <a:t>3/19/2018</a:t>
             </a:fld>
             <a:endParaRPr lang="en-US" dirty="0"/>
           </a:p>
@@ -3067,7 +3067,7 @@
           <a:p>
             <a:fld id="{78C97017-6FC3-485B-9764-EAC9E56C1D49}" type="datetimeFigureOut">
               <a:rPr lang="en-US" smtClean="0"/>
-              <a:t>3/14/2018</a:t>
+              <a:t>3/19/2018</a:t>
             </a:fld>
             <a:endParaRPr lang="en-US" dirty="0"/>
           </a:p>
@@ -3450,8 +3450,8 @@
         </p:nvSpPr>
         <p:spPr>
           <a:xfrm>
-            <a:off x="1119865" y="1727200"/>
-            <a:ext cx="7490735" cy="2997200"/>
+            <a:off x="971543" y="1342677"/>
+            <a:ext cx="7795535" cy="4515480"/>
           </a:xfrm>
           <a:prstGeom prst="roundRect">
             <a:avLst>
@@ -3570,8 +3570,8 @@
         </p:nvSpPr>
         <p:spPr>
           <a:xfrm rot="16200000">
-            <a:off x="1683963" y="2868687"/>
-            <a:ext cx="1093635" cy="346760"/>
+            <a:off x="1645864" y="2830587"/>
+            <a:ext cx="1093635" cy="422959"/>
           </a:xfrm>
           <a:prstGeom prst="rect">
             <a:avLst/>
@@ -3625,7 +3625,7 @@
         <p:nvCxnSpPr>
           <p:cNvPr id="107" name="Elbow Connector 106"/>
           <p:cNvCxnSpPr>
-            <a:stCxn id="9" idx="1"/>
+            <a:cxnSpLocks/>
           </p:cNvCxnSpPr>
           <p:nvPr/>
         </p:nvCxnSpPr>
@@ -3636,7 +3636,7 @@
           </a:xfrm>
           <a:prstGeom prst="bentConnector4">
             <a:avLst>
-              <a:gd name="adj1" fmla="val -101829"/>
+              <a:gd name="adj1" fmla="val -24467"/>
               <a:gd name="adj2" fmla="val 99976"/>
             </a:avLst>
           </a:prstGeom>
@@ -4247,7 +4247,7 @@
         <p:spPr>
           <a:xfrm>
             <a:off x="4477328" y="2280569"/>
-            <a:ext cx="1156969" cy="346760"/>
+            <a:ext cx="1203818" cy="346760"/>
           </a:xfrm>
           <a:prstGeom prst="rect">
             <a:avLst/>
@@ -4279,14 +4279,14 @@
           <a:p>
             <a:pPr algn="ctr"/>
             <a:r>
-              <a:rPr lang="en-US" sz="1050" dirty="0">
+              <a:rPr lang="en-US" sz="1000" dirty="0">
                 <a:solidFill>
                   <a:srgbClr val="7030A0"/>
                 </a:solidFill>
               </a:rPr>
-              <a:t>UniqueTagList</a:t>
-            </a:r>
-            <a:endParaRPr lang="en-SG" sz="1050" dirty="0">
+              <a:t>UniqueCategoryList</a:t>
+            </a:r>
+            <a:endParaRPr lang="en-SG" sz="1000" dirty="0">
               <a:solidFill>
                 <a:srgbClr val="7030A0"/>
               </a:solidFill>
@@ -4298,6 +4298,7 @@
         <p:nvCxnSpPr>
           <p:cNvPr id="59" name="Elbow Connector 58"/>
           <p:cNvCxnSpPr>
+            <a:cxnSpLocks/>
             <a:stCxn id="51" idx="3"/>
             <a:endCxn id="57" idx="1"/>
           </p:cNvCxnSpPr>
@@ -4487,8 +4488,8 @@
         </p:nvSpPr>
         <p:spPr>
           <a:xfrm>
-            <a:off x="5336105" y="1809332"/>
-            <a:ext cx="483700" cy="346760"/>
+            <a:off x="5336104" y="1809332"/>
+            <a:ext cx="682459" cy="346760"/>
           </a:xfrm>
           <a:prstGeom prst="rect">
             <a:avLst/>
@@ -4525,7 +4526,7 @@
                   <a:srgbClr val="7030A0"/>
                 </a:solidFill>
               </a:rPr>
-              <a:t>Tag</a:t>
+              <a:t>Category</a:t>
             </a:r>
             <a:endParaRPr lang="en-SG" sz="1050" dirty="0">
               <a:solidFill>
@@ -4584,6 +4585,7 @@
         <p:nvCxnSpPr>
           <p:cNvPr id="69" name="Elbow Connector 68"/>
           <p:cNvCxnSpPr>
+            <a:cxnSpLocks/>
             <a:stCxn id="68" idx="3"/>
             <a:endCxn id="67" idx="1"/>
           </p:cNvCxnSpPr>
@@ -4592,7 +4594,7 @@
         <p:spPr>
           <a:xfrm rot="5400000" flipH="1" flipV="1">
             <a:off x="5161650" y="1860752"/>
-            <a:ext cx="52494" cy="296415"/>
+            <a:ext cx="52494" cy="296414"/>
           </a:xfrm>
           <a:prstGeom prst="bentConnector2">
             <a:avLst/>
@@ -4629,7 +4631,7 @@
         </p:nvSpPr>
         <p:spPr>
           <a:xfrm>
-            <a:off x="7712397" y="2564238"/>
+            <a:off x="7712397" y="2438400"/>
             <a:ext cx="708186" cy="285783"/>
           </a:xfrm>
           <a:prstGeom prst="rect">
@@ -4735,8 +4737,8 @@
         </p:nvCxnSpPr>
         <p:spPr>
           <a:xfrm flipV="1">
-            <a:off x="7277995" y="2707130"/>
-            <a:ext cx="434402" cy="327761"/>
+            <a:off x="7277995" y="2581292"/>
+            <a:ext cx="434402" cy="453599"/>
           </a:xfrm>
           <a:prstGeom prst="bentConnector3">
             <a:avLst/>
@@ -4773,7 +4775,7 @@
         </p:nvSpPr>
         <p:spPr>
           <a:xfrm>
-            <a:off x="7712397" y="2887216"/>
+            <a:off x="7712397" y="2819400"/>
             <a:ext cx="708186" cy="285783"/>
           </a:xfrm>
           <a:prstGeom prst="rect">
@@ -4832,8 +4834,8 @@
         </p:nvCxnSpPr>
         <p:spPr>
           <a:xfrm flipV="1">
-            <a:off x="7277995" y="3030108"/>
-            <a:ext cx="434402" cy="4783"/>
+            <a:off x="7277995" y="2962292"/>
+            <a:ext cx="434402" cy="72599"/>
           </a:xfrm>
           <a:prstGeom prst="bentConnector3">
             <a:avLst/>
@@ -4870,7 +4872,7 @@
         </p:nvSpPr>
         <p:spPr>
           <a:xfrm>
-            <a:off x="7712397" y="3210194"/>
+            <a:off x="7712397" y="3200400"/>
             <a:ext cx="708186" cy="285783"/>
           </a:xfrm>
           <a:prstGeom prst="rect">
@@ -4930,7 +4932,7 @@
         <p:spPr>
           <a:xfrm>
             <a:off x="7277995" y="3034891"/>
-            <a:ext cx="434402" cy="318195"/>
+            <a:ext cx="434402" cy="308401"/>
           </a:xfrm>
           <a:prstGeom prst="bentConnector3">
             <a:avLst/>
@@ -4967,7 +4969,7 @@
         </p:nvSpPr>
         <p:spPr>
           <a:xfrm>
-            <a:off x="7712397" y="3533171"/>
+            <a:off x="7712397" y="3600417"/>
             <a:ext cx="708186" cy="285783"/>
           </a:xfrm>
           <a:prstGeom prst="rect">
@@ -5027,7 +5029,7 @@
         <p:spPr>
           <a:xfrm>
             <a:off x="7277995" y="3034891"/>
-            <a:ext cx="434402" cy="641172"/>
+            <a:ext cx="434402" cy="708418"/>
           </a:xfrm>
           <a:prstGeom prst="bentConnector3">
             <a:avLst/>
@@ -5225,8 +5227,8 @@
           <p:nvPr/>
         </p:nvSpPr>
         <p:spPr>
-          <a:xfrm rot="16200000">
-            <a:off x="6527512" y="3586305"/>
+          <a:xfrm>
+            <a:off x="6018576" y="3462010"/>
             <a:ext cx="881018" cy="261610"/>
           </a:xfrm>
           <a:prstGeom prst="rect">
@@ -5265,7 +5267,7 @@
         </p:nvSpPr>
         <p:spPr>
           <a:xfrm>
-            <a:off x="2057401" y="4239491"/>
+            <a:off x="2057401" y="4911040"/>
             <a:ext cx="1066800" cy="346760"/>
           </a:xfrm>
           <a:prstGeom prst="rect">
@@ -5332,15 +5334,15 @@
         <p:nvCxnSpPr>
           <p:cNvPr id="124" name="Elbow Connector 122"/>
           <p:cNvCxnSpPr>
-            <a:stCxn id="119" idx="1"/>
+            <a:cxnSpLocks/>
             <a:endCxn id="122" idx="1"/>
           </p:cNvCxnSpPr>
           <p:nvPr/>
         </p:nvCxnSpPr>
         <p:spPr>
           <a:xfrm rot="16200000" flipH="1">
-            <a:off x="1364475" y="3719944"/>
-            <a:ext cx="831471" cy="554381"/>
+            <a:off x="1025400" y="4052419"/>
+            <a:ext cx="1496650" cy="567351"/>
           </a:xfrm>
           <a:prstGeom prst="bentConnector2">
             <a:avLst/>
@@ -5350,6 +5352,924 @@
               <a:srgbClr val="7030A0"/>
             </a:solidFill>
             <a:prstDash val="sysDot"/>
+            <a:headEnd type="none" w="med" len="med"/>
+            <a:tailEnd type="arrow" w="med" len="med"/>
+          </a:ln>
+          <a:effectLst/>
+        </p:spPr>
+        <p:style>
+          <a:lnRef idx="1">
+            <a:schemeClr val="accent2"/>
+          </a:lnRef>
+          <a:fillRef idx="2">
+            <a:schemeClr val="accent2"/>
+          </a:fillRef>
+          <a:effectRef idx="1">
+            <a:schemeClr val="accent2"/>
+          </a:effectRef>
+          <a:fontRef idx="minor">
+            <a:schemeClr val="dk1"/>
+          </a:fontRef>
+        </p:style>
+      </p:cxnSp>
+      <p:sp>
+        <p:nvSpPr>
+          <p:cNvPr id="11" name="TextBox 10"/>
+          <p:cNvSpPr txBox="1"/>
+          <p:nvPr/>
+        </p:nvSpPr>
+        <p:spPr>
+          <a:xfrm>
+            <a:off x="4324972" y="2191228"/>
+            <a:ext cx="189257" cy="178683"/>
+          </a:xfrm>
+          <a:prstGeom prst="rect">
+            <a:avLst/>
+          </a:prstGeom>
+          <a:noFill/>
+        </p:spPr>
+        <p:txBody>
+          <a:bodyPr wrap="square" lIns="0" tIns="0" rIns="0" bIns="0" rtlCol="0">
+            <a:noAutofit/>
+          </a:bodyPr>
+          <a:lstStyle/>
+          <a:p>
+            <a:pPr algn="ctr"/>
+            <a:r>
+              <a:rPr lang="en-US" sz="1100" dirty="0">
+                <a:solidFill>
+                  <a:srgbClr val="7030A0"/>
+                </a:solidFill>
+              </a:rPr>
+              <a:t>1</a:t>
+            </a:r>
+            <a:endParaRPr lang="en-SG" sz="1100" dirty="0">
+              <a:solidFill>
+                <a:srgbClr val="7030A0"/>
+              </a:solidFill>
+            </a:endParaRPr>
+          </a:p>
+        </p:txBody>
+      </p:sp>
+      <p:sp>
+        <p:nvSpPr>
+          <p:cNvPr id="54" name="TextBox 53"/>
+          <p:cNvSpPr txBox="1"/>
+          <p:nvPr/>
+        </p:nvSpPr>
+        <p:spPr>
+          <a:xfrm>
+            <a:off x="4324972" y="3058864"/>
+            <a:ext cx="189257" cy="178683"/>
+          </a:xfrm>
+          <a:prstGeom prst="rect">
+            <a:avLst/>
+          </a:prstGeom>
+          <a:noFill/>
+        </p:spPr>
+        <p:txBody>
+          <a:bodyPr wrap="square" lIns="0" tIns="0" rIns="0" bIns="0" rtlCol="0">
+            <a:noAutofit/>
+          </a:bodyPr>
+          <a:lstStyle/>
+          <a:p>
+            <a:pPr algn="ctr"/>
+            <a:r>
+              <a:rPr lang="en-US" sz="1100" dirty="0">
+                <a:solidFill>
+                  <a:srgbClr val="7030A0"/>
+                </a:solidFill>
+              </a:rPr>
+              <a:t>1</a:t>
+            </a:r>
+            <a:endParaRPr lang="en-SG" sz="1100" dirty="0">
+              <a:solidFill>
+                <a:srgbClr val="7030A0"/>
+              </a:solidFill>
+            </a:endParaRPr>
+          </a:p>
+        </p:txBody>
+      </p:sp>
+      <p:sp>
+        <p:nvSpPr>
+          <p:cNvPr id="56" name="TextBox 55"/>
+          <p:cNvSpPr txBox="1"/>
+          <p:nvPr/>
+        </p:nvSpPr>
+        <p:spPr>
+          <a:xfrm>
+            <a:off x="5708514" y="2459942"/>
+            <a:ext cx="189257" cy="178683"/>
+          </a:xfrm>
+          <a:prstGeom prst="rect">
+            <a:avLst/>
+          </a:prstGeom>
+          <a:noFill/>
+        </p:spPr>
+        <p:txBody>
+          <a:bodyPr wrap="square" lIns="0" tIns="0" rIns="0" bIns="0" rtlCol="0">
+            <a:noAutofit/>
+          </a:bodyPr>
+          <a:lstStyle/>
+          <a:p>
+            <a:pPr algn="ctr"/>
+            <a:r>
+              <a:rPr lang="en-US" sz="1100" dirty="0">
+                <a:solidFill>
+                  <a:srgbClr val="7030A0"/>
+                </a:solidFill>
+              </a:rPr>
+              <a:t>1</a:t>
+            </a:r>
+            <a:endParaRPr lang="en-SG" sz="1100" dirty="0">
+              <a:solidFill>
+                <a:srgbClr val="7030A0"/>
+              </a:solidFill>
+            </a:endParaRPr>
+          </a:p>
+        </p:txBody>
+      </p:sp>
+      <p:sp>
+        <p:nvSpPr>
+          <p:cNvPr id="60" name="TextBox 59"/>
+          <p:cNvSpPr txBox="1"/>
+          <p:nvPr/>
+        </p:nvSpPr>
+        <p:spPr>
+          <a:xfrm>
+            <a:off x="5163172" y="1778919"/>
+            <a:ext cx="189257" cy="178683"/>
+          </a:xfrm>
+          <a:prstGeom prst="rect">
+            <a:avLst/>
+          </a:prstGeom>
+          <a:noFill/>
+        </p:spPr>
+        <p:txBody>
+          <a:bodyPr wrap="square" lIns="0" tIns="0" rIns="0" bIns="0" rtlCol="0">
+            <a:noAutofit/>
+          </a:bodyPr>
+          <a:lstStyle/>
+          <a:p>
+            <a:pPr algn="ctr"/>
+            <a:r>
+              <a:rPr lang="en-US" sz="1100" dirty="0">
+                <a:solidFill>
+                  <a:srgbClr val="7030A0"/>
+                </a:solidFill>
+              </a:rPr>
+              <a:t>*</a:t>
+            </a:r>
+            <a:endParaRPr lang="en-SG" sz="1100" dirty="0">
+              <a:solidFill>
+                <a:srgbClr val="7030A0"/>
+              </a:solidFill>
+            </a:endParaRPr>
+          </a:p>
+        </p:txBody>
+      </p:sp>
+      <p:sp>
+        <p:nvSpPr>
+          <p:cNvPr id="61" name="TextBox 60"/>
+          <p:cNvSpPr txBox="1"/>
+          <p:nvPr/>
+        </p:nvSpPr>
+        <p:spPr>
+          <a:xfrm>
+            <a:off x="6135256" y="3097917"/>
+            <a:ext cx="189257" cy="178683"/>
+          </a:xfrm>
+          <a:prstGeom prst="rect">
+            <a:avLst/>
+          </a:prstGeom>
+          <a:noFill/>
+        </p:spPr>
+        <p:txBody>
+          <a:bodyPr wrap="square" lIns="0" tIns="0" rIns="0" bIns="0" rtlCol="0">
+            <a:noAutofit/>
+          </a:bodyPr>
+          <a:lstStyle/>
+          <a:p>
+            <a:pPr algn="ctr"/>
+            <a:r>
+              <a:rPr lang="en-US" sz="1100" dirty="0">
+                <a:solidFill>
+                  <a:srgbClr val="7030A0"/>
+                </a:solidFill>
+              </a:rPr>
+              <a:t>*</a:t>
+            </a:r>
+            <a:endParaRPr lang="en-SG" sz="1100" dirty="0">
+              <a:solidFill>
+                <a:srgbClr val="7030A0"/>
+              </a:solidFill>
+            </a:endParaRPr>
+          </a:p>
+        </p:txBody>
+      </p:sp>
+      <p:sp>
+        <p:nvSpPr>
+          <p:cNvPr id="65" name="TextBox 64"/>
+          <p:cNvSpPr txBox="1"/>
+          <p:nvPr/>
+        </p:nvSpPr>
+        <p:spPr>
+          <a:xfrm>
+            <a:off x="2687923" y="2564238"/>
+            <a:ext cx="189257" cy="178683"/>
+          </a:xfrm>
+          <a:prstGeom prst="rect">
+            <a:avLst/>
+          </a:prstGeom>
+          <a:noFill/>
+        </p:spPr>
+        <p:txBody>
+          <a:bodyPr wrap="square" lIns="0" tIns="0" rIns="0" bIns="0" rtlCol="0">
+            <a:noAutofit/>
+          </a:bodyPr>
+          <a:lstStyle/>
+          <a:p>
+            <a:pPr algn="ctr"/>
+            <a:r>
+              <a:rPr lang="en-US" sz="1100" dirty="0">
+                <a:solidFill>
+                  <a:srgbClr val="7030A0"/>
+                </a:solidFill>
+              </a:rPr>
+              <a:t>1</a:t>
+            </a:r>
+            <a:endParaRPr lang="en-SG" sz="1100" dirty="0">
+              <a:solidFill>
+                <a:srgbClr val="7030A0"/>
+              </a:solidFill>
+            </a:endParaRPr>
+          </a:p>
+        </p:txBody>
+      </p:sp>
+      <p:sp>
+        <p:nvSpPr>
+          <p:cNvPr id="66" name="TextBox 65"/>
+          <p:cNvSpPr txBox="1"/>
+          <p:nvPr/>
+        </p:nvSpPr>
+        <p:spPr>
+          <a:xfrm>
+            <a:off x="2656370" y="3386050"/>
+            <a:ext cx="189257" cy="178683"/>
+          </a:xfrm>
+          <a:prstGeom prst="rect">
+            <a:avLst/>
+          </a:prstGeom>
+          <a:noFill/>
+        </p:spPr>
+        <p:txBody>
+          <a:bodyPr wrap="square" lIns="0" tIns="0" rIns="0" bIns="0" rtlCol="0">
+            <a:noAutofit/>
+          </a:bodyPr>
+          <a:lstStyle/>
+          <a:p>
+            <a:pPr algn="ctr"/>
+            <a:r>
+              <a:rPr lang="en-US" sz="1100" dirty="0">
+                <a:solidFill>
+                  <a:srgbClr val="7030A0"/>
+                </a:solidFill>
+              </a:rPr>
+              <a:t>1</a:t>
+            </a:r>
+            <a:endParaRPr lang="en-SG" sz="1100" dirty="0">
+              <a:solidFill>
+                <a:srgbClr val="7030A0"/>
+              </a:solidFill>
+            </a:endParaRPr>
+          </a:p>
+        </p:txBody>
+      </p:sp>
+      <p:sp>
+        <p:nvSpPr>
+          <p:cNvPr id="70" name="TextBox 69"/>
+          <p:cNvSpPr txBox="1"/>
+          <p:nvPr/>
+        </p:nvSpPr>
+        <p:spPr>
+          <a:xfrm>
+            <a:off x="6667770" y="3210194"/>
+            <a:ext cx="189257" cy="178683"/>
+          </a:xfrm>
+          <a:prstGeom prst="rect">
+            <a:avLst/>
+          </a:prstGeom>
+          <a:noFill/>
+        </p:spPr>
+        <p:txBody>
+          <a:bodyPr wrap="square" lIns="0" tIns="0" rIns="0" bIns="0" rtlCol="0">
+            <a:noAutofit/>
+          </a:bodyPr>
+          <a:lstStyle/>
+          <a:p>
+            <a:pPr algn="ctr"/>
+            <a:r>
+              <a:rPr lang="en-US" sz="1100" dirty="0">
+                <a:solidFill>
+                  <a:srgbClr val="7030A0"/>
+                </a:solidFill>
+              </a:rPr>
+              <a:t>1</a:t>
+            </a:r>
+            <a:endParaRPr lang="en-SG" sz="1100" dirty="0">
+              <a:solidFill>
+                <a:srgbClr val="7030A0"/>
+              </a:solidFill>
+            </a:endParaRPr>
+          </a:p>
+        </p:txBody>
+      </p:sp>
+      <p:sp>
+        <p:nvSpPr>
+          <p:cNvPr id="74" name="Rectangle 8">
+            <a:extLst>
+              <a:ext uri="{FF2B5EF4-FFF2-40B4-BE49-F238E27FC236}">
+                <a16:creationId xmlns:a16="http://schemas.microsoft.com/office/drawing/2014/main" id="{15D23C43-9850-4595-8B0B-CDC5D50C6F6F}"/>
+              </a:ext>
+            </a:extLst>
+          </p:cNvPr>
+          <p:cNvSpPr/>
+          <p:nvPr/>
+        </p:nvSpPr>
+        <p:spPr>
+          <a:xfrm>
+            <a:off x="7721701" y="3981417"/>
+            <a:ext cx="708186" cy="285783"/>
+          </a:xfrm>
+          <a:prstGeom prst="rect">
+            <a:avLst/>
+          </a:prstGeom>
+          <a:ln w="19050">
+            <a:solidFill>
+              <a:srgbClr val="7030A0"/>
+            </a:solidFill>
+          </a:ln>
+          <a:effectLst/>
+        </p:spPr>
+        <p:style>
+          <a:lnRef idx="1">
+            <a:schemeClr val="accent4"/>
+          </a:lnRef>
+          <a:fillRef idx="2">
+            <a:schemeClr val="accent4"/>
+          </a:fillRef>
+          <a:effectRef idx="1">
+            <a:schemeClr val="accent4"/>
+          </a:effectRef>
+          <a:fontRef idx="minor">
+            <a:schemeClr val="dk1"/>
+          </a:fontRef>
+        </p:style>
+        <p:txBody>
+          <a:bodyPr rtlCol="0" anchor="ctr"/>
+          <a:lstStyle/>
+          <a:p>
+            <a:pPr algn="ctr"/>
+            <a:r>
+              <a:rPr lang="en-US" sz="1050" dirty="0">
+                <a:solidFill>
+                  <a:srgbClr val="7030A0"/>
+                </a:solidFill>
+              </a:rPr>
+              <a:t>Theater</a:t>
+            </a:r>
+            <a:endParaRPr lang="en-SG" sz="1050" dirty="0">
+              <a:solidFill>
+                <a:srgbClr val="7030A0"/>
+              </a:solidFill>
+            </a:endParaRPr>
+          </a:p>
+        </p:txBody>
+      </p:sp>
+      <p:cxnSp>
+        <p:nvCxnSpPr>
+          <p:cNvPr id="82" name="Elbow Connector 85">
+            <a:extLst>
+              <a:ext uri="{FF2B5EF4-FFF2-40B4-BE49-F238E27FC236}">
+                <a16:creationId xmlns:a16="http://schemas.microsoft.com/office/drawing/2014/main" id="{D377ED8A-8E89-4F03-83F0-F7C3E66815F4}"/>
+              </a:ext>
+            </a:extLst>
+          </p:cNvPr>
+          <p:cNvCxnSpPr>
+            <a:cxnSpLocks/>
+          </p:cNvCxnSpPr>
+          <p:nvPr/>
+        </p:nvCxnSpPr>
+        <p:spPr>
+          <a:xfrm rot="16200000" flipH="1">
+            <a:off x="7433958" y="3719187"/>
+            <a:ext cx="348982" cy="226505"/>
+          </a:xfrm>
+          <a:prstGeom prst="bentConnector2">
+            <a:avLst/>
+          </a:prstGeom>
+          <a:ln w="19050">
+            <a:solidFill>
+              <a:srgbClr val="7030A0"/>
+            </a:solidFill>
+            <a:headEnd type="none" w="med" len="med"/>
+            <a:tailEnd type="arrow" w="med" len="med"/>
+          </a:ln>
+          <a:effectLst/>
+        </p:spPr>
+        <p:style>
+          <a:lnRef idx="1">
+            <a:schemeClr val="accent2"/>
+          </a:lnRef>
+          <a:fillRef idx="2">
+            <a:schemeClr val="accent2"/>
+          </a:fillRef>
+          <a:effectRef idx="1">
+            <a:schemeClr val="accent2"/>
+          </a:effectRef>
+          <a:fontRef idx="minor">
+            <a:schemeClr val="dk1"/>
+          </a:fontRef>
+        </p:style>
+      </p:cxnSp>
+      <p:sp>
+        <p:nvSpPr>
+          <p:cNvPr id="87" name="Rectangle 8">
+            <a:extLst>
+              <a:ext uri="{FF2B5EF4-FFF2-40B4-BE49-F238E27FC236}">
+                <a16:creationId xmlns:a16="http://schemas.microsoft.com/office/drawing/2014/main" id="{8FAA04F3-67EC-484D-983B-8AE303791407}"/>
+              </a:ext>
+            </a:extLst>
+          </p:cNvPr>
+          <p:cNvSpPr/>
+          <p:nvPr/>
+        </p:nvSpPr>
+        <p:spPr>
+          <a:xfrm>
+            <a:off x="4471053" y="3920440"/>
+            <a:ext cx="1156969" cy="346760"/>
+          </a:xfrm>
+          <a:prstGeom prst="rect">
+            <a:avLst/>
+          </a:prstGeom>
+          <a:ln w="19050">
+            <a:solidFill>
+              <a:srgbClr val="7030A0"/>
+            </a:solidFill>
+          </a:ln>
+          <a:effectLst/>
+        </p:spPr>
+        <p:style>
+          <a:lnRef idx="1">
+            <a:schemeClr val="accent4"/>
+          </a:lnRef>
+          <a:fillRef idx="2">
+            <a:schemeClr val="accent4"/>
+          </a:fillRef>
+          <a:effectRef idx="1">
+            <a:schemeClr val="accent4"/>
+          </a:effectRef>
+          <a:fontRef idx="minor">
+            <a:schemeClr val="dk1"/>
+          </a:fontRef>
+        </p:style>
+        <p:txBody>
+          <a:bodyPr rtlCol="0" anchor="ctr"/>
+          <a:lstStyle/>
+          <a:p>
+            <a:pPr algn="ctr"/>
+            <a:r>
+              <a:rPr lang="en-US" sz="1000" dirty="0">
+                <a:solidFill>
+                  <a:srgbClr val="7030A0"/>
+                </a:solidFill>
+              </a:rPr>
+              <a:t>UniqueMovieList</a:t>
+            </a:r>
+            <a:endParaRPr lang="en-SG" sz="1000" dirty="0">
+              <a:solidFill>
+                <a:srgbClr val="7030A0"/>
+              </a:solidFill>
+            </a:endParaRPr>
+          </a:p>
+        </p:txBody>
+      </p:sp>
+      <p:cxnSp>
+        <p:nvCxnSpPr>
+          <p:cNvPr id="88" name="Elbow Connector 29">
+            <a:extLst>
+              <a:ext uri="{FF2B5EF4-FFF2-40B4-BE49-F238E27FC236}">
+                <a16:creationId xmlns:a16="http://schemas.microsoft.com/office/drawing/2014/main" id="{E026A3AF-982D-4457-8611-2D38B9D2B21E}"/>
+              </a:ext>
+            </a:extLst>
+          </p:cNvPr>
+          <p:cNvCxnSpPr>
+            <a:cxnSpLocks/>
+            <a:endCxn id="87" idx="1"/>
+          </p:cNvCxnSpPr>
+          <p:nvPr/>
+        </p:nvCxnSpPr>
+        <p:spPr>
+          <a:xfrm rot="16200000" flipH="1">
+            <a:off x="3683401" y="3306168"/>
+            <a:ext cx="1452302" cy="123002"/>
+          </a:xfrm>
+          <a:prstGeom prst="bentConnector2">
+            <a:avLst/>
+          </a:prstGeom>
+          <a:ln w="19050">
+            <a:solidFill>
+              <a:srgbClr val="7030A0"/>
+            </a:solidFill>
+            <a:headEnd type="none" w="med" len="med"/>
+            <a:tailEnd type="arrow" w="med" len="med"/>
+          </a:ln>
+          <a:effectLst/>
+        </p:spPr>
+        <p:style>
+          <a:lnRef idx="1">
+            <a:schemeClr val="accent2"/>
+          </a:lnRef>
+          <a:fillRef idx="2">
+            <a:schemeClr val="accent2"/>
+          </a:fillRef>
+          <a:effectRef idx="1">
+            <a:schemeClr val="accent2"/>
+          </a:effectRef>
+          <a:fontRef idx="minor">
+            <a:schemeClr val="dk1"/>
+          </a:fontRef>
+        </p:style>
+      </p:cxnSp>
+      <p:sp>
+        <p:nvSpPr>
+          <p:cNvPr id="89" name="TextBox 88">
+            <a:extLst>
+              <a:ext uri="{FF2B5EF4-FFF2-40B4-BE49-F238E27FC236}">
+                <a16:creationId xmlns:a16="http://schemas.microsoft.com/office/drawing/2014/main" id="{63652603-7B9B-4D6E-BDB9-63920B08D587}"/>
+              </a:ext>
+            </a:extLst>
+          </p:cNvPr>
+          <p:cNvSpPr txBox="1"/>
+          <p:nvPr/>
+        </p:nvSpPr>
+        <p:spPr>
+          <a:xfrm>
+            <a:off x="4297760" y="4154333"/>
+            <a:ext cx="189257" cy="178683"/>
+          </a:xfrm>
+          <a:prstGeom prst="rect">
+            <a:avLst/>
+          </a:prstGeom>
+          <a:noFill/>
+        </p:spPr>
+        <p:txBody>
+          <a:bodyPr wrap="square" lIns="0" tIns="0" rIns="0" bIns="0" rtlCol="0">
+            <a:noAutofit/>
+          </a:bodyPr>
+          <a:lstStyle/>
+          <a:p>
+            <a:pPr algn="ctr"/>
+            <a:r>
+              <a:rPr lang="en-US" sz="1100" dirty="0">
+                <a:solidFill>
+                  <a:srgbClr val="7030A0"/>
+                </a:solidFill>
+              </a:rPr>
+              <a:t>1</a:t>
+            </a:r>
+            <a:endParaRPr lang="en-SG" sz="1100" dirty="0">
+              <a:solidFill>
+                <a:srgbClr val="7030A0"/>
+              </a:solidFill>
+            </a:endParaRPr>
+          </a:p>
+        </p:txBody>
+      </p:sp>
+      <p:sp>
+        <p:nvSpPr>
+          <p:cNvPr id="90" name="Rectangle 8">
+            <a:extLst>
+              <a:ext uri="{FF2B5EF4-FFF2-40B4-BE49-F238E27FC236}">
+                <a16:creationId xmlns:a16="http://schemas.microsoft.com/office/drawing/2014/main" id="{BE0F14A6-9CF9-4F27-B6F0-CF9B21A3C03D}"/>
+              </a:ext>
+            </a:extLst>
+          </p:cNvPr>
+          <p:cNvSpPr/>
+          <p:nvPr/>
+        </p:nvSpPr>
+        <p:spPr>
+          <a:xfrm>
+            <a:off x="6301769" y="3962400"/>
+            <a:ext cx="708186" cy="346760"/>
+          </a:xfrm>
+          <a:prstGeom prst="rect">
+            <a:avLst/>
+          </a:prstGeom>
+          <a:ln w="19050">
+            <a:solidFill>
+              <a:srgbClr val="7030A0"/>
+            </a:solidFill>
+          </a:ln>
+          <a:effectLst/>
+        </p:spPr>
+        <p:style>
+          <a:lnRef idx="1">
+            <a:schemeClr val="accent4"/>
+          </a:lnRef>
+          <a:fillRef idx="2">
+            <a:schemeClr val="accent4"/>
+          </a:fillRef>
+          <a:effectRef idx="1">
+            <a:schemeClr val="accent4"/>
+          </a:effectRef>
+          <a:fontRef idx="minor">
+            <a:schemeClr val="dk1"/>
+          </a:fontRef>
+        </p:style>
+        <p:txBody>
+          <a:bodyPr rtlCol="0" anchor="ctr"/>
+          <a:lstStyle/>
+          <a:p>
+            <a:pPr algn="ctr"/>
+            <a:r>
+              <a:rPr lang="en-US" sz="1050" dirty="0">
+                <a:solidFill>
+                  <a:srgbClr val="7030A0"/>
+                </a:solidFill>
+              </a:rPr>
+              <a:t>Movie</a:t>
+            </a:r>
+            <a:endParaRPr lang="en-SG" sz="1050" dirty="0">
+              <a:solidFill>
+                <a:srgbClr val="7030A0"/>
+              </a:solidFill>
+            </a:endParaRPr>
+          </a:p>
+        </p:txBody>
+      </p:sp>
+      <p:sp>
+        <p:nvSpPr>
+          <p:cNvPr id="93" name="TextBox 92">
+            <a:extLst>
+              <a:ext uri="{FF2B5EF4-FFF2-40B4-BE49-F238E27FC236}">
+                <a16:creationId xmlns:a16="http://schemas.microsoft.com/office/drawing/2014/main" id="{BC6D474F-B7D2-48CE-8DE2-4FE681A7B2FC}"/>
+              </a:ext>
+            </a:extLst>
+          </p:cNvPr>
+          <p:cNvSpPr txBox="1"/>
+          <p:nvPr/>
+        </p:nvSpPr>
+        <p:spPr>
+          <a:xfrm>
+            <a:off x="6138961" y="4142405"/>
+            <a:ext cx="189257" cy="178683"/>
+          </a:xfrm>
+          <a:prstGeom prst="rect">
+            <a:avLst/>
+          </a:prstGeom>
+          <a:noFill/>
+        </p:spPr>
+        <p:txBody>
+          <a:bodyPr wrap="square" lIns="0" tIns="0" rIns="0" bIns="0" rtlCol="0">
+            <a:noAutofit/>
+          </a:bodyPr>
+          <a:lstStyle/>
+          <a:p>
+            <a:pPr algn="ctr"/>
+            <a:r>
+              <a:rPr lang="en-US" sz="1100" dirty="0">
+                <a:solidFill>
+                  <a:srgbClr val="7030A0"/>
+                </a:solidFill>
+              </a:rPr>
+              <a:t>*</a:t>
+            </a:r>
+            <a:endParaRPr lang="en-SG" sz="1100" dirty="0">
+              <a:solidFill>
+                <a:srgbClr val="7030A0"/>
+              </a:solidFill>
+            </a:endParaRPr>
+          </a:p>
+        </p:txBody>
+      </p:sp>
+      <p:cxnSp>
+        <p:nvCxnSpPr>
+          <p:cNvPr id="94" name="Elbow Connector 106">
+            <a:extLst>
+              <a:ext uri="{FF2B5EF4-FFF2-40B4-BE49-F238E27FC236}">
+                <a16:creationId xmlns:a16="http://schemas.microsoft.com/office/drawing/2014/main" id="{99EF861C-6F65-44FA-8F4C-64B5C5945C43}"/>
+              </a:ext>
+            </a:extLst>
+          </p:cNvPr>
+          <p:cNvCxnSpPr>
+            <a:cxnSpLocks/>
+          </p:cNvCxnSpPr>
+          <p:nvPr/>
+        </p:nvCxnSpPr>
+        <p:spPr>
+          <a:xfrm>
+            <a:off x="1981200" y="3510873"/>
+            <a:ext cx="4425557" cy="798287"/>
+          </a:xfrm>
+          <a:prstGeom prst="bentConnector4">
+            <a:avLst>
+              <a:gd name="adj1" fmla="val 5679"/>
+              <a:gd name="adj2" fmla="val 137532"/>
+            </a:avLst>
+          </a:prstGeom>
+          <a:ln w="19050">
+            <a:solidFill>
+              <a:srgbClr val="7030A0"/>
+            </a:solidFill>
+            <a:prstDash val="solid"/>
+            <a:headEnd type="none" w="med" len="med"/>
+            <a:tailEnd type="arrow" w="med" len="med"/>
+          </a:ln>
+          <a:effectLst/>
+        </p:spPr>
+        <p:style>
+          <a:lnRef idx="1">
+            <a:schemeClr val="accent2"/>
+          </a:lnRef>
+          <a:fillRef idx="2">
+            <a:schemeClr val="accent2"/>
+          </a:fillRef>
+          <a:effectRef idx="1">
+            <a:schemeClr val="accent2"/>
+          </a:effectRef>
+          <a:fontRef idx="minor">
+            <a:schemeClr val="dk1"/>
+          </a:fontRef>
+        </p:style>
+      </p:cxnSp>
+      <p:sp>
+        <p:nvSpPr>
+          <p:cNvPr id="101" name="TextBox 100">
+            <a:extLst>
+              <a:ext uri="{FF2B5EF4-FFF2-40B4-BE49-F238E27FC236}">
+                <a16:creationId xmlns:a16="http://schemas.microsoft.com/office/drawing/2014/main" id="{26DA2FAA-BB25-4C70-8D24-9190E969F299}"/>
+              </a:ext>
+            </a:extLst>
+          </p:cNvPr>
+          <p:cNvSpPr txBox="1"/>
+          <p:nvPr/>
+        </p:nvSpPr>
+        <p:spPr>
+          <a:xfrm>
+            <a:off x="5470350" y="4379105"/>
+            <a:ext cx="881018" cy="261610"/>
+          </a:xfrm>
+          <a:prstGeom prst="rect">
+            <a:avLst/>
+          </a:prstGeom>
+          <a:noFill/>
+        </p:spPr>
+        <p:txBody>
+          <a:bodyPr wrap="square" rtlCol="0">
+            <a:spAutoFit/>
+          </a:bodyPr>
+          <a:lstStyle/>
+          <a:p>
+            <a:pPr algn="r"/>
+            <a:r>
+              <a:rPr lang="en-US" sz="1100" dirty="0">
+                <a:solidFill>
+                  <a:srgbClr val="7030A0"/>
+                </a:solidFill>
+              </a:rPr>
+              <a:t>filtered list</a:t>
+            </a:r>
+            <a:endParaRPr lang="en-SG" sz="1100" dirty="0">
+              <a:solidFill>
+                <a:srgbClr val="7030A0"/>
+              </a:solidFill>
+            </a:endParaRPr>
+          </a:p>
+        </p:txBody>
+      </p:sp>
+      <p:sp>
+        <p:nvSpPr>
+          <p:cNvPr id="103" name="TextBox 102">
+            <a:extLst>
+              <a:ext uri="{FF2B5EF4-FFF2-40B4-BE49-F238E27FC236}">
+                <a16:creationId xmlns:a16="http://schemas.microsoft.com/office/drawing/2014/main" id="{438CA6E6-63A1-4E18-853C-AD5962830FE8}"/>
+              </a:ext>
+            </a:extLst>
+          </p:cNvPr>
+          <p:cNvSpPr txBox="1"/>
+          <p:nvPr/>
+        </p:nvSpPr>
+        <p:spPr>
+          <a:xfrm>
+            <a:off x="6245539" y="4424377"/>
+            <a:ext cx="189257" cy="178683"/>
+          </a:xfrm>
+          <a:prstGeom prst="rect">
+            <a:avLst/>
+          </a:prstGeom>
+          <a:noFill/>
+        </p:spPr>
+        <p:txBody>
+          <a:bodyPr wrap="square" lIns="0" tIns="0" rIns="0" bIns="0" rtlCol="0">
+            <a:noAutofit/>
+          </a:bodyPr>
+          <a:lstStyle/>
+          <a:p>
+            <a:pPr algn="ctr"/>
+            <a:r>
+              <a:rPr lang="en-US" sz="1100" dirty="0">
+                <a:solidFill>
+                  <a:srgbClr val="7030A0"/>
+                </a:solidFill>
+              </a:rPr>
+              <a:t>1</a:t>
+            </a:r>
+            <a:endParaRPr lang="en-SG" sz="1100" dirty="0">
+              <a:solidFill>
+                <a:srgbClr val="7030A0"/>
+              </a:solidFill>
+            </a:endParaRPr>
+          </a:p>
+        </p:txBody>
+      </p:sp>
+      <p:sp>
+        <p:nvSpPr>
+          <p:cNvPr id="111" name="Flowchart: Decision 96">
+            <a:extLst>
+              <a:ext uri="{FF2B5EF4-FFF2-40B4-BE49-F238E27FC236}">
+                <a16:creationId xmlns:a16="http://schemas.microsoft.com/office/drawing/2014/main" id="{36AAC416-918E-422F-8369-74364E07FAC1}"/>
+              </a:ext>
+            </a:extLst>
+          </p:cNvPr>
+          <p:cNvSpPr/>
+          <p:nvPr/>
+        </p:nvSpPr>
+        <p:spPr>
+          <a:xfrm>
+            <a:off x="5643163" y="3990927"/>
+            <a:ext cx="236048" cy="173380"/>
+          </a:xfrm>
+          <a:prstGeom prst="flowChartDecision">
+            <a:avLst/>
+          </a:prstGeom>
+          <a:noFill/>
+          <a:ln w="19050">
+            <a:solidFill>
+              <a:srgbClr val="7030A0"/>
+            </a:solidFill>
+          </a:ln>
+          <a:effectLst/>
+        </p:spPr>
+        <p:style>
+          <a:lnRef idx="1">
+            <a:schemeClr val="accent6"/>
+          </a:lnRef>
+          <a:fillRef idx="2">
+            <a:schemeClr val="accent6"/>
+          </a:fillRef>
+          <a:effectRef idx="1">
+            <a:schemeClr val="accent6"/>
+          </a:effectRef>
+          <a:fontRef idx="minor">
+            <a:schemeClr val="dk1"/>
+          </a:fontRef>
+        </p:style>
+        <p:txBody>
+          <a:bodyPr rtlCol="0" anchor="ctr"/>
+          <a:lstStyle/>
+          <a:p>
+            <a:pPr algn="ctr"/>
+            <a:endParaRPr lang="en-US" sz="1050" dirty="0"/>
+          </a:p>
+        </p:txBody>
+      </p:sp>
+      <p:cxnSp>
+        <p:nvCxnSpPr>
+          <p:cNvPr id="112" name="Elbow Connector 63">
+            <a:extLst>
+              <a:ext uri="{FF2B5EF4-FFF2-40B4-BE49-F238E27FC236}">
+                <a16:creationId xmlns:a16="http://schemas.microsoft.com/office/drawing/2014/main" id="{C04A513E-BA73-43B2-9C6D-56370F798B4D}"/>
+              </a:ext>
+            </a:extLst>
+          </p:cNvPr>
+          <p:cNvCxnSpPr>
+            <a:stCxn id="111" idx="3"/>
+          </p:cNvCxnSpPr>
+          <p:nvPr/>
+        </p:nvCxnSpPr>
+        <p:spPr>
+          <a:xfrm>
+            <a:off x="5879211" y="4077617"/>
+            <a:ext cx="434402" cy="777"/>
+          </a:xfrm>
+          <a:prstGeom prst="bentConnector3">
+            <a:avLst/>
+          </a:prstGeom>
+          <a:ln w="19050">
+            <a:solidFill>
+              <a:srgbClr val="7030A0"/>
+            </a:solidFill>
             <a:headEnd type="none" w="med" len="med"/>
             <a:tailEnd type="arrow" w="med" len="med"/>
           </a:ln>
@@ -5372,27 +6292,73 @@
       </p:cxnSp>
       <p:cxnSp>
         <p:nvCxnSpPr>
-          <p:cNvPr id="50" name="Elbow Connector 49"/>
+          <p:cNvPr id="108" name="Straight Connector 107">
+            <a:extLst>
+              <a:ext uri="{FF2B5EF4-FFF2-40B4-BE49-F238E27FC236}">
+                <a16:creationId xmlns:a16="http://schemas.microsoft.com/office/drawing/2014/main" id="{62BDD0D2-C6F7-435E-9CF2-540FF4CAA0A9}"/>
+              </a:ext>
+            </a:extLst>
+          </p:cNvPr>
+          <p:cNvCxnSpPr/>
+          <p:nvPr/>
+        </p:nvCxnSpPr>
+        <p:spPr>
+          <a:xfrm>
+            <a:off x="7021863" y="4131400"/>
+            <a:ext cx="699838" cy="0"/>
+          </a:xfrm>
+          <a:prstGeom prst="line">
+            <a:avLst/>
+          </a:prstGeom>
+          <a:ln w="19050"/>
+          <a:effectLst/>
+        </p:spPr>
+        <p:style>
+          <a:lnRef idx="2">
+            <a:schemeClr val="accent4"/>
+          </a:lnRef>
+          <a:fillRef idx="0">
+            <a:schemeClr val="accent4"/>
+          </a:fillRef>
+          <a:effectRef idx="1">
+            <a:schemeClr val="accent4"/>
+          </a:effectRef>
+          <a:fontRef idx="minor">
+            <a:schemeClr val="tx1"/>
+          </a:fontRef>
+        </p:style>
+      </p:cxnSp>
+      <p:cxnSp>
+        <p:nvCxnSpPr>
+          <p:cNvPr id="117" name="Elbow Connector 63">
+            <a:extLst>
+              <a:ext uri="{FF2B5EF4-FFF2-40B4-BE49-F238E27FC236}">
+                <a16:creationId xmlns:a16="http://schemas.microsoft.com/office/drawing/2014/main" id="{8D715023-833B-415E-B435-479194D6CE9F}"/>
+              </a:ext>
+            </a:extLst>
+          </p:cNvPr>
           <p:cNvCxnSpPr>
-            <a:stCxn id="62" idx="0"/>
-            <a:endCxn id="57" idx="3"/>
+            <a:cxnSpLocks/>
           </p:cNvCxnSpPr>
           <p:nvPr/>
         </p:nvCxnSpPr>
         <p:spPr>
-          <a:xfrm rot="16200000" flipV="1">
-            <a:off x="5948976" y="2139271"/>
-            <a:ext cx="404117" cy="1033473"/>
-          </a:xfrm>
-          <a:prstGeom prst="bentConnector2">
-            <a:avLst/>
+          <a:xfrm rot="5400000">
+            <a:off x="7102100" y="4386254"/>
+            <a:ext cx="523892" cy="12700"/>
+          </a:xfrm>
+          <a:prstGeom prst="bentConnector3">
+            <a:avLst>
+              <a:gd name="adj1" fmla="val 50000"/>
+            </a:avLst>
           </a:prstGeom>
           <a:ln w="19050">
             <a:solidFill>
               <a:srgbClr val="7030A0"/>
             </a:solidFill>
+            <a:prstDash val="sysDot"/>
             <a:headEnd type="none" w="med" len="med"/>
-            <a:tailEnd type="arrow" w="med" len="med"/>
+            <a:tailEnd type="none" w="med" len="med"/>
           </a:ln>
           <a:effectLst/>
         </p:spPr>
@@ -5413,36 +6379,59 @@
       </p:cxnSp>
       <p:sp>
         <p:nvSpPr>
-          <p:cNvPr id="11" name="TextBox 10"/>
-          <p:cNvSpPr txBox="1"/>
+          <p:cNvPr id="125" name="Rectangle 8">
+            <a:extLst>
+              <a:ext uri="{FF2B5EF4-FFF2-40B4-BE49-F238E27FC236}">
+                <a16:creationId xmlns:a16="http://schemas.microsoft.com/office/drawing/2014/main" id="{0803DC37-0D0E-4969-BA0E-8CA58BDA1439}"/>
+              </a:ext>
+            </a:extLst>
+          </p:cNvPr>
+          <p:cNvSpPr/>
           <p:nvPr/>
         </p:nvSpPr>
         <p:spPr>
           <a:xfrm>
-            <a:off x="4324972" y="2191228"/>
-            <a:ext cx="189257" cy="178683"/>
+            <a:off x="6965747" y="4389383"/>
+            <a:ext cx="806653" cy="346760"/>
           </a:xfrm>
           <a:prstGeom prst="rect">
             <a:avLst/>
           </a:prstGeom>
-          <a:noFill/>
-        </p:spPr>
-        <p:txBody>
-          <a:bodyPr wrap="square" lIns="0" tIns="0" rIns="0" bIns="0" rtlCol="0">
-            <a:noAutofit/>
-          </a:bodyPr>
+          <a:ln w="19050">
+            <a:solidFill>
+              <a:srgbClr val="7030A0"/>
+            </a:solidFill>
+          </a:ln>
+          <a:effectLst/>
+        </p:spPr>
+        <p:style>
+          <a:lnRef idx="1">
+            <a:schemeClr val="accent4"/>
+          </a:lnRef>
+          <a:fillRef idx="2">
+            <a:schemeClr val="accent4"/>
+          </a:fillRef>
+          <a:effectRef idx="1">
+            <a:schemeClr val="accent4"/>
+          </a:effectRef>
+          <a:fontRef idx="minor">
+            <a:schemeClr val="dk1"/>
+          </a:fontRef>
+        </p:style>
+        <p:txBody>
+          <a:bodyPr rtlCol="0" anchor="ctr"/>
           <a:lstStyle/>
           <a:p>
             <a:pPr algn="ctr"/>
             <a:r>
-              <a:rPr lang="en-US" sz="1100" dirty="0">
+              <a:rPr lang="en-US" sz="1050" dirty="0">
                 <a:solidFill>
                   <a:srgbClr val="7030A0"/>
                 </a:solidFill>
               </a:rPr>
-              <a:t>1</a:t>
-            </a:r>
-            <a:endParaRPr lang="en-SG" sz="1100" dirty="0">
+              <a:t>Screening</a:t>
+            </a:r>
+            <a:endParaRPr lang="en-SG" sz="1050" dirty="0">
               <a:solidFill>
                 <a:srgbClr val="7030A0"/>
               </a:solidFill>
@@ -5452,36 +6441,208 @@
       </p:sp>
       <p:sp>
         <p:nvSpPr>
-          <p:cNvPr id="54" name="TextBox 53"/>
-          <p:cNvSpPr txBox="1"/>
+          <p:cNvPr id="126" name="Flowchart: Decision 96">
+            <a:extLst>
+              <a:ext uri="{FF2B5EF4-FFF2-40B4-BE49-F238E27FC236}">
+                <a16:creationId xmlns:a16="http://schemas.microsoft.com/office/drawing/2014/main" id="{5DF10D2B-C74D-4D9F-93AE-84B0F69AAB09}"/>
+              </a:ext>
+            </a:extLst>
+          </p:cNvPr>
+          <p:cNvSpPr/>
           <p:nvPr/>
         </p:nvSpPr>
         <p:spPr>
-          <a:xfrm>
-            <a:off x="4324972" y="3058864"/>
-            <a:ext cx="189257" cy="178683"/>
+          <a:xfrm rot="5400000">
+            <a:off x="6559392" y="4333951"/>
+            <a:ext cx="236048" cy="173380"/>
+          </a:xfrm>
+          <a:prstGeom prst="flowChartDecision">
+            <a:avLst/>
+          </a:prstGeom>
+          <a:solidFill>
+            <a:srgbClr val="7030A0"/>
+          </a:solidFill>
+          <a:ln w="19050">
+            <a:solidFill>
+              <a:srgbClr val="7030A0"/>
+            </a:solidFill>
+          </a:ln>
+          <a:effectLst/>
+        </p:spPr>
+        <p:style>
+          <a:lnRef idx="1">
+            <a:schemeClr val="accent6"/>
+          </a:lnRef>
+          <a:fillRef idx="2">
+            <a:schemeClr val="accent6"/>
+          </a:fillRef>
+          <a:effectRef idx="1">
+            <a:schemeClr val="accent6"/>
+          </a:effectRef>
+          <a:fontRef idx="minor">
+            <a:schemeClr val="dk1"/>
+          </a:fontRef>
+        </p:style>
+        <p:txBody>
+          <a:bodyPr rtlCol="0" anchor="ctr"/>
+          <a:lstStyle/>
+          <a:p>
+            <a:pPr algn="ctr"/>
+            <a:endParaRPr lang="en-US" sz="1050" dirty="0"/>
+          </a:p>
+        </p:txBody>
+      </p:sp>
+      <p:cxnSp>
+        <p:nvCxnSpPr>
+          <p:cNvPr id="151" name="Connector: Elbow 150">
+            <a:extLst>
+              <a:ext uri="{FF2B5EF4-FFF2-40B4-BE49-F238E27FC236}">
+                <a16:creationId xmlns:a16="http://schemas.microsoft.com/office/drawing/2014/main" id="{A7E870D3-E65F-425C-A105-D45BE89B78C4}"/>
+              </a:ext>
+            </a:extLst>
+          </p:cNvPr>
+          <p:cNvCxnSpPr>
+            <a:cxnSpLocks/>
+            <a:stCxn id="126" idx="3"/>
+            <a:endCxn id="157" idx="0"/>
+          </p:cNvCxnSpPr>
+          <p:nvPr/>
+        </p:nvCxnSpPr>
+        <p:spPr>
+          <a:xfrm rot="5400000">
+            <a:off x="5664993" y="4338458"/>
+            <a:ext cx="812217" cy="1212631"/>
+          </a:xfrm>
+          <a:prstGeom prst="bentConnector3">
+            <a:avLst>
+              <a:gd name="adj1" fmla="val 50000"/>
+            </a:avLst>
+          </a:prstGeom>
+          <a:ln w="19050">
+            <a:solidFill>
+              <a:srgbClr val="7030A0"/>
+            </a:solidFill>
+            <a:tailEnd type="triangle"/>
+          </a:ln>
+        </p:spPr>
+        <p:style>
+          <a:lnRef idx="1">
+            <a:schemeClr val="accent1"/>
+          </a:lnRef>
+          <a:fillRef idx="0">
+            <a:schemeClr val="accent1"/>
+          </a:fillRef>
+          <a:effectRef idx="0">
+            <a:schemeClr val="accent1"/>
+          </a:effectRef>
+          <a:fontRef idx="minor">
+            <a:schemeClr val="tx1"/>
+          </a:fontRef>
+        </p:style>
+      </p:cxnSp>
+      <p:cxnSp>
+        <p:nvCxnSpPr>
+          <p:cNvPr id="153" name="Connector: Elbow 152">
+            <a:extLst>
+              <a:ext uri="{FF2B5EF4-FFF2-40B4-BE49-F238E27FC236}">
+                <a16:creationId xmlns:a16="http://schemas.microsoft.com/office/drawing/2014/main" id="{EAC07C10-FE2C-47BC-A80C-5E7176773BB6}"/>
+              </a:ext>
+            </a:extLst>
+          </p:cNvPr>
+          <p:cNvCxnSpPr>
+            <a:cxnSpLocks/>
+            <a:stCxn id="126" idx="3"/>
+            <a:endCxn id="165" idx="0"/>
+          </p:cNvCxnSpPr>
+          <p:nvPr/>
+        </p:nvCxnSpPr>
+        <p:spPr>
+          <a:xfrm rot="5400000">
+            <a:off x="6080102" y="4756257"/>
+            <a:ext cx="814907" cy="379723"/>
+          </a:xfrm>
+          <a:prstGeom prst="bentConnector3">
+            <a:avLst>
+              <a:gd name="adj1" fmla="val 50000"/>
+            </a:avLst>
+          </a:prstGeom>
+          <a:ln w="19050">
+            <a:solidFill>
+              <a:srgbClr val="7030A0"/>
+            </a:solidFill>
+            <a:tailEnd type="triangle"/>
+          </a:ln>
+        </p:spPr>
+        <p:style>
+          <a:lnRef idx="1">
+            <a:schemeClr val="accent1"/>
+          </a:lnRef>
+          <a:fillRef idx="0">
+            <a:schemeClr val="accent1"/>
+          </a:fillRef>
+          <a:effectRef idx="0">
+            <a:schemeClr val="accent1"/>
+          </a:effectRef>
+          <a:fontRef idx="minor">
+            <a:schemeClr val="tx1"/>
+          </a:fontRef>
+        </p:style>
+      </p:cxnSp>
+      <p:sp>
+        <p:nvSpPr>
+          <p:cNvPr id="157" name="Rectangle 8">
+            <a:extLst>
+              <a:ext uri="{FF2B5EF4-FFF2-40B4-BE49-F238E27FC236}">
+                <a16:creationId xmlns:a16="http://schemas.microsoft.com/office/drawing/2014/main" id="{207DB95B-6C72-48B2-A865-0D6BE1FFA9E4}"/>
+              </a:ext>
+            </a:extLst>
+          </p:cNvPr>
+          <p:cNvSpPr/>
+          <p:nvPr/>
+        </p:nvSpPr>
+        <p:spPr>
+          <a:xfrm>
+            <a:off x="5029200" y="5350882"/>
+            <a:ext cx="871170" cy="285783"/>
           </a:xfrm>
           <a:prstGeom prst="rect">
             <a:avLst/>
           </a:prstGeom>
-          <a:noFill/>
-        </p:spPr>
-        <p:txBody>
-          <a:bodyPr wrap="square" lIns="0" tIns="0" rIns="0" bIns="0" rtlCol="0">
-            <a:noAutofit/>
-          </a:bodyPr>
+          <a:ln w="19050">
+            <a:solidFill>
+              <a:srgbClr val="7030A0"/>
+            </a:solidFill>
+          </a:ln>
+          <a:effectLst/>
+        </p:spPr>
+        <p:style>
+          <a:lnRef idx="1">
+            <a:schemeClr val="accent4"/>
+          </a:lnRef>
+          <a:fillRef idx="2">
+            <a:schemeClr val="accent4"/>
+          </a:fillRef>
+          <a:effectRef idx="1">
+            <a:schemeClr val="accent4"/>
+          </a:effectRef>
+          <a:fontRef idx="minor">
+            <a:schemeClr val="dk1"/>
+          </a:fontRef>
+        </p:style>
+        <p:txBody>
+          <a:bodyPr rtlCol="0" anchor="ctr"/>
           <a:lstStyle/>
           <a:p>
             <a:pPr algn="ctr"/>
             <a:r>
-              <a:rPr lang="en-US" sz="1100" dirty="0">
+              <a:rPr lang="en-US" sz="1050" dirty="0">
                 <a:solidFill>
                   <a:srgbClr val="7030A0"/>
                 </a:solidFill>
               </a:rPr>
-              <a:t>1</a:t>
-            </a:r>
-            <a:endParaRPr lang="en-SG" sz="1100" dirty="0">
+              <a:t>MovieName</a:t>
+            </a:r>
+            <a:endParaRPr lang="en-SG" sz="1050" dirty="0">
               <a:solidFill>
                 <a:srgbClr val="7030A0"/>
               </a:solidFill>
@@ -5491,36 +6652,59 @@
       </p:sp>
       <p:sp>
         <p:nvSpPr>
-          <p:cNvPr id="56" name="TextBox 55"/>
-          <p:cNvSpPr txBox="1"/>
+          <p:cNvPr id="165" name="Rectangle 8">
+            <a:extLst>
+              <a:ext uri="{FF2B5EF4-FFF2-40B4-BE49-F238E27FC236}">
+                <a16:creationId xmlns:a16="http://schemas.microsoft.com/office/drawing/2014/main" id="{EAAC1E4F-DBAD-4422-881C-9C3109C1E685}"/>
+              </a:ext>
+            </a:extLst>
+          </p:cNvPr>
+          <p:cNvSpPr/>
           <p:nvPr/>
         </p:nvSpPr>
         <p:spPr>
           <a:xfrm>
-            <a:off x="5689761" y="2495413"/>
-            <a:ext cx="189257" cy="178683"/>
+            <a:off x="5943600" y="5353572"/>
+            <a:ext cx="708186" cy="285783"/>
           </a:xfrm>
           <a:prstGeom prst="rect">
             <a:avLst/>
           </a:prstGeom>
-          <a:noFill/>
-        </p:spPr>
-        <p:txBody>
-          <a:bodyPr wrap="square" lIns="0" tIns="0" rIns="0" bIns="0" rtlCol="0">
-            <a:noAutofit/>
-          </a:bodyPr>
+          <a:ln w="19050">
+            <a:solidFill>
+              <a:srgbClr val="7030A0"/>
+            </a:solidFill>
+          </a:ln>
+          <a:effectLst/>
+        </p:spPr>
+        <p:style>
+          <a:lnRef idx="1">
+            <a:schemeClr val="accent4"/>
+          </a:lnRef>
+          <a:fillRef idx="2">
+            <a:schemeClr val="accent4"/>
+          </a:fillRef>
+          <a:effectRef idx="1">
+            <a:schemeClr val="accent4"/>
+          </a:effectRef>
+          <a:fontRef idx="minor">
+            <a:schemeClr val="dk1"/>
+          </a:fontRef>
+        </p:style>
+        <p:txBody>
+          <a:bodyPr rtlCol="0" anchor="ctr"/>
           <a:lstStyle/>
           <a:p>
             <a:pPr algn="ctr"/>
             <a:r>
-              <a:rPr lang="en-US" sz="1100" dirty="0">
+              <a:rPr lang="en-US" sz="1050" dirty="0">
                 <a:solidFill>
                   <a:srgbClr val="7030A0"/>
                 </a:solidFill>
               </a:rPr>
-              <a:t>1</a:t>
-            </a:r>
-            <a:endParaRPr lang="en-SG" sz="1100" dirty="0">
+              <a:t>Duration</a:t>
+            </a:r>
+            <a:endParaRPr lang="en-SG" sz="1050" dirty="0">
               <a:solidFill>
                 <a:srgbClr val="7030A0"/>
               </a:solidFill>
@@ -5530,36 +6714,59 @@
       </p:sp>
       <p:sp>
         <p:nvSpPr>
-          <p:cNvPr id="60" name="TextBox 59"/>
-          <p:cNvSpPr txBox="1"/>
+          <p:cNvPr id="167" name="Rectangle 8">
+            <a:extLst>
+              <a:ext uri="{FF2B5EF4-FFF2-40B4-BE49-F238E27FC236}">
+                <a16:creationId xmlns:a16="http://schemas.microsoft.com/office/drawing/2014/main" id="{8502F339-C759-49C2-850B-6333066EE852}"/>
+              </a:ext>
+            </a:extLst>
+          </p:cNvPr>
+          <p:cNvSpPr/>
           <p:nvPr/>
         </p:nvSpPr>
         <p:spPr>
           <a:xfrm>
-            <a:off x="5163172" y="1778919"/>
-            <a:ext cx="189257" cy="178683"/>
+            <a:off x="6705600" y="5353572"/>
+            <a:ext cx="708186" cy="285783"/>
           </a:xfrm>
           <a:prstGeom prst="rect">
             <a:avLst/>
           </a:prstGeom>
-          <a:noFill/>
-        </p:spPr>
-        <p:txBody>
-          <a:bodyPr wrap="square" lIns="0" tIns="0" rIns="0" bIns="0" rtlCol="0">
-            <a:noAutofit/>
-          </a:bodyPr>
+          <a:ln w="19050">
+            <a:solidFill>
+              <a:srgbClr val="7030A0"/>
+            </a:solidFill>
+          </a:ln>
+          <a:effectLst/>
+        </p:spPr>
+        <p:style>
+          <a:lnRef idx="1">
+            <a:schemeClr val="accent4"/>
+          </a:lnRef>
+          <a:fillRef idx="2">
+            <a:schemeClr val="accent4"/>
+          </a:fillRef>
+          <a:effectRef idx="1">
+            <a:schemeClr val="accent4"/>
+          </a:effectRef>
+          <a:fontRef idx="minor">
+            <a:schemeClr val="dk1"/>
+          </a:fontRef>
+        </p:style>
+        <p:txBody>
+          <a:bodyPr rtlCol="0" anchor="ctr"/>
           <a:lstStyle/>
           <a:p>
             <a:pPr algn="ctr"/>
             <a:r>
-              <a:rPr lang="en-US" sz="1100" dirty="0">
+              <a:rPr lang="en-US" sz="1050" dirty="0">
                 <a:solidFill>
                   <a:srgbClr val="7030A0"/>
                 </a:solidFill>
               </a:rPr>
-              <a:t>*</a:t>
-            </a:r>
-            <a:endParaRPr lang="en-SG" sz="1100" dirty="0">
+              <a:t>Rating</a:t>
+            </a:r>
+            <a:endParaRPr lang="en-SG" sz="1050" dirty="0">
               <a:solidFill>
                 <a:srgbClr val="7030A0"/>
               </a:solidFill>
@@ -5569,36 +6776,59 @@
       </p:sp>
       <p:sp>
         <p:nvSpPr>
-          <p:cNvPr id="61" name="TextBox 60"/>
-          <p:cNvSpPr txBox="1"/>
+          <p:cNvPr id="168" name="Rectangle 8">
+            <a:extLst>
+              <a:ext uri="{FF2B5EF4-FFF2-40B4-BE49-F238E27FC236}">
+                <a16:creationId xmlns:a16="http://schemas.microsoft.com/office/drawing/2014/main" id="{0B2BC535-7064-4130-B209-B141DDA112DE}"/>
+              </a:ext>
+            </a:extLst>
+          </p:cNvPr>
+          <p:cNvSpPr/>
           <p:nvPr/>
         </p:nvSpPr>
         <p:spPr>
           <a:xfrm>
-            <a:off x="6135256" y="3097917"/>
-            <a:ext cx="189257" cy="178683"/>
+            <a:off x="7467600" y="5353572"/>
+            <a:ext cx="708186" cy="285783"/>
           </a:xfrm>
           <a:prstGeom prst="rect">
             <a:avLst/>
           </a:prstGeom>
-          <a:noFill/>
-        </p:spPr>
-        <p:txBody>
-          <a:bodyPr wrap="square" lIns="0" tIns="0" rIns="0" bIns="0" rtlCol="0">
-            <a:noAutofit/>
-          </a:bodyPr>
+          <a:ln w="19050">
+            <a:solidFill>
+              <a:srgbClr val="7030A0"/>
+            </a:solidFill>
+          </a:ln>
+          <a:effectLst/>
+        </p:spPr>
+        <p:style>
+          <a:lnRef idx="1">
+            <a:schemeClr val="accent4"/>
+          </a:lnRef>
+          <a:fillRef idx="2">
+            <a:schemeClr val="accent4"/>
+          </a:fillRef>
+          <a:effectRef idx="1">
+            <a:schemeClr val="accent4"/>
+          </a:effectRef>
+          <a:fontRef idx="minor">
+            <a:schemeClr val="dk1"/>
+          </a:fontRef>
+        </p:style>
+        <p:txBody>
+          <a:bodyPr rtlCol="0" anchor="ctr"/>
           <a:lstStyle/>
           <a:p>
             <a:pPr algn="ctr"/>
             <a:r>
-              <a:rPr lang="en-US" sz="1100" dirty="0">
+              <a:rPr lang="en-US" sz="1050" dirty="0">
                 <a:solidFill>
                   <a:srgbClr val="7030A0"/>
                 </a:solidFill>
               </a:rPr>
-              <a:t>*</a:t>
-            </a:r>
-            <a:endParaRPr lang="en-SG" sz="1100" dirty="0">
+              <a:t>StartDate</a:t>
+            </a:r>
+            <a:endParaRPr lang="en-SG" sz="1050" dirty="0">
               <a:solidFill>
                 <a:srgbClr val="7030A0"/>
               </a:solidFill>
@@ -5606,123 +6836,230 @@
           </a:p>
         </p:txBody>
       </p:sp>
-      <p:sp>
-        <p:nvSpPr>
-          <p:cNvPr id="65" name="TextBox 64"/>
-          <p:cNvSpPr txBox="1"/>
+      <p:cxnSp>
+        <p:nvCxnSpPr>
+          <p:cNvPr id="170" name="Connector: Elbow 169">
+            <a:extLst>
+              <a:ext uri="{FF2B5EF4-FFF2-40B4-BE49-F238E27FC236}">
+                <a16:creationId xmlns:a16="http://schemas.microsoft.com/office/drawing/2014/main" id="{5849E273-F355-4316-A675-67419ABC7EC3}"/>
+              </a:ext>
+            </a:extLst>
+          </p:cNvPr>
+          <p:cNvCxnSpPr>
+            <a:cxnSpLocks/>
+            <a:stCxn id="126" idx="3"/>
+            <a:endCxn id="167" idx="0"/>
+          </p:cNvCxnSpPr>
           <p:nvPr/>
-        </p:nvSpPr>
-        <p:spPr>
-          <a:xfrm>
-            <a:off x="2687923" y="2564238"/>
-            <a:ext cx="189257" cy="178683"/>
-          </a:xfrm>
-          <a:prstGeom prst="rect">
+        </p:nvCxnSpPr>
+        <p:spPr>
+          <a:xfrm rot="16200000" flipH="1">
+            <a:off x="6461101" y="4754979"/>
+            <a:ext cx="814907" cy="382277"/>
+          </a:xfrm>
+          <a:prstGeom prst="bentConnector3">
+            <a:avLst>
+              <a:gd name="adj1" fmla="val 50000"/>
+            </a:avLst>
+          </a:prstGeom>
+          <a:ln w="19050">
+            <a:solidFill>
+              <a:srgbClr val="7030A0"/>
+            </a:solidFill>
+            <a:tailEnd type="triangle"/>
+          </a:ln>
+        </p:spPr>
+        <p:style>
+          <a:lnRef idx="1">
+            <a:schemeClr val="accent1"/>
+          </a:lnRef>
+          <a:fillRef idx="0">
+            <a:schemeClr val="accent1"/>
+          </a:fillRef>
+          <a:effectRef idx="0">
+            <a:schemeClr val="accent1"/>
+          </a:effectRef>
+          <a:fontRef idx="minor">
+            <a:schemeClr val="tx1"/>
+          </a:fontRef>
+        </p:style>
+      </p:cxnSp>
+      <p:cxnSp>
+        <p:nvCxnSpPr>
+          <p:cNvPr id="174" name="Connector: Elbow 173">
+            <a:extLst>
+              <a:ext uri="{FF2B5EF4-FFF2-40B4-BE49-F238E27FC236}">
+                <a16:creationId xmlns:a16="http://schemas.microsoft.com/office/drawing/2014/main" id="{620B8BE7-2A10-4D59-B6C7-923242336AA5}"/>
+              </a:ext>
+            </a:extLst>
+          </p:cNvPr>
+          <p:cNvCxnSpPr>
+            <a:cxnSpLocks/>
+            <a:stCxn id="126" idx="3"/>
+            <a:endCxn id="168" idx="0"/>
+          </p:cNvCxnSpPr>
+          <p:nvPr/>
+        </p:nvCxnSpPr>
+        <p:spPr>
+          <a:xfrm rot="16200000" flipH="1">
+            <a:off x="6842101" y="4373979"/>
+            <a:ext cx="814907" cy="1144277"/>
+          </a:xfrm>
+          <a:prstGeom prst="bentConnector3">
+            <a:avLst>
+              <a:gd name="adj1" fmla="val 50000"/>
+            </a:avLst>
+          </a:prstGeom>
+          <a:ln w="19050">
+            <a:solidFill>
+              <a:srgbClr val="7030A0"/>
+            </a:solidFill>
+            <a:tailEnd type="triangle"/>
+          </a:ln>
+        </p:spPr>
+        <p:style>
+          <a:lnRef idx="1">
+            <a:schemeClr val="accent1"/>
+          </a:lnRef>
+          <a:fillRef idx="0">
+            <a:schemeClr val="accent1"/>
+          </a:fillRef>
+          <a:effectRef idx="0">
+            <a:schemeClr val="accent1"/>
+          </a:effectRef>
+          <a:fontRef idx="minor">
+            <a:schemeClr val="tx1"/>
+          </a:fontRef>
+        </p:style>
+      </p:cxnSp>
+      <p:cxnSp>
+        <p:nvCxnSpPr>
+          <p:cNvPr id="211" name="Straight Connector 210">
+            <a:extLst>
+              <a:ext uri="{FF2B5EF4-FFF2-40B4-BE49-F238E27FC236}">
+                <a16:creationId xmlns:a16="http://schemas.microsoft.com/office/drawing/2014/main" id="{ABBB6A3C-72D7-4317-A590-118C0BDA410A}"/>
+              </a:ext>
+            </a:extLst>
+          </p:cNvPr>
+          <p:cNvCxnSpPr/>
+          <p:nvPr/>
+        </p:nvCxnSpPr>
+        <p:spPr>
+          <a:xfrm>
+            <a:off x="5910859" y="2453949"/>
+            <a:ext cx="0" cy="1365005"/>
+          </a:xfrm>
+          <a:prstGeom prst="line">
             <a:avLst/>
           </a:prstGeom>
-          <a:noFill/>
-        </p:spPr>
-        <p:txBody>
-          <a:bodyPr wrap="square" lIns="0" tIns="0" rIns="0" bIns="0" rtlCol="0">
-            <a:noAutofit/>
-          </a:bodyPr>
-          <a:lstStyle/>
-          <a:p>
-            <a:pPr algn="ctr"/>
-            <a:r>
-              <a:rPr lang="en-US" sz="1100" dirty="0">
-                <a:solidFill>
-                  <a:srgbClr val="7030A0"/>
-                </a:solidFill>
-              </a:rPr>
-              <a:t>1</a:t>
-            </a:r>
-            <a:endParaRPr lang="en-SG" sz="1100" dirty="0">
-              <a:solidFill>
-                <a:srgbClr val="7030A0"/>
-              </a:solidFill>
-            </a:endParaRPr>
-          </a:p>
-        </p:txBody>
-      </p:sp>
-      <p:sp>
-        <p:nvSpPr>
-          <p:cNvPr id="66" name="TextBox 65"/>
-          <p:cNvSpPr txBox="1"/>
+          <a:ln w="19050">
+            <a:solidFill>
+              <a:srgbClr val="7030A0"/>
+            </a:solidFill>
+          </a:ln>
+        </p:spPr>
+        <p:style>
+          <a:lnRef idx="1">
+            <a:schemeClr val="accent1"/>
+          </a:lnRef>
+          <a:fillRef idx="0">
+            <a:schemeClr val="accent1"/>
+          </a:fillRef>
+          <a:effectRef idx="0">
+            <a:schemeClr val="accent1"/>
+          </a:effectRef>
+          <a:fontRef idx="minor">
+            <a:schemeClr val="tx1"/>
+          </a:fontRef>
+        </p:style>
+      </p:cxnSp>
+      <p:cxnSp>
+        <p:nvCxnSpPr>
+          <p:cNvPr id="219" name="Connector: Elbow 218">
+            <a:extLst>
+              <a:ext uri="{FF2B5EF4-FFF2-40B4-BE49-F238E27FC236}">
+                <a16:creationId xmlns:a16="http://schemas.microsoft.com/office/drawing/2014/main" id="{F03E53F6-8ADE-4AB6-BF48-BDBC579038A2}"/>
+              </a:ext>
+            </a:extLst>
+          </p:cNvPr>
+          <p:cNvCxnSpPr>
+            <a:endCxn id="90" idx="0"/>
+          </p:cNvCxnSpPr>
           <p:nvPr/>
-        </p:nvSpPr>
-        <p:spPr>
-          <a:xfrm>
-            <a:off x="2656370" y="3386050"/>
-            <a:ext cx="189257" cy="178683"/>
-          </a:xfrm>
-          <a:prstGeom prst="rect">
+        </p:nvCxnSpPr>
+        <p:spPr>
+          <a:xfrm>
+            <a:off x="5910859" y="3818954"/>
+            <a:ext cx="745003" cy="143446"/>
+          </a:xfrm>
+          <a:prstGeom prst="bentConnector2">
             <a:avLst/>
           </a:prstGeom>
-          <a:noFill/>
-        </p:spPr>
-        <p:txBody>
-          <a:bodyPr wrap="square" lIns="0" tIns="0" rIns="0" bIns="0" rtlCol="0">
-            <a:noAutofit/>
-          </a:bodyPr>
-          <a:lstStyle/>
-          <a:p>
-            <a:pPr algn="ctr"/>
-            <a:r>
-              <a:rPr lang="en-US" sz="1100" dirty="0">
-                <a:solidFill>
-                  <a:srgbClr val="7030A0"/>
-                </a:solidFill>
-              </a:rPr>
-              <a:t>1</a:t>
-            </a:r>
-            <a:endParaRPr lang="en-SG" sz="1100" dirty="0">
-              <a:solidFill>
-                <a:srgbClr val="7030A0"/>
-              </a:solidFill>
-            </a:endParaRPr>
-          </a:p>
-        </p:txBody>
-      </p:sp>
-      <p:sp>
-        <p:nvSpPr>
-          <p:cNvPr id="70" name="TextBox 69"/>
-          <p:cNvSpPr txBox="1"/>
+          <a:ln w="19050">
+            <a:solidFill>
+              <a:srgbClr val="7030A0"/>
+            </a:solidFill>
+          </a:ln>
+        </p:spPr>
+        <p:style>
+          <a:lnRef idx="1">
+            <a:schemeClr val="accent1"/>
+          </a:lnRef>
+          <a:fillRef idx="0">
+            <a:schemeClr val="accent1"/>
+          </a:fillRef>
+          <a:effectRef idx="0">
+            <a:schemeClr val="accent1"/>
+          </a:effectRef>
+          <a:fontRef idx="minor">
+            <a:schemeClr val="tx1"/>
+          </a:fontRef>
+        </p:style>
+      </p:cxnSp>
+      <p:cxnSp>
+        <p:nvCxnSpPr>
+          <p:cNvPr id="221" name="Straight Arrow Connector 220">
+            <a:extLst>
+              <a:ext uri="{FF2B5EF4-FFF2-40B4-BE49-F238E27FC236}">
+                <a16:creationId xmlns:a16="http://schemas.microsoft.com/office/drawing/2014/main" id="{82567F78-5F33-4CDE-BDBD-E8AE2CBFCF71}"/>
+              </a:ext>
+            </a:extLst>
+          </p:cNvPr>
+          <p:cNvCxnSpPr>
+            <a:cxnSpLocks/>
+          </p:cNvCxnSpPr>
           <p:nvPr/>
-        </p:nvSpPr>
-        <p:spPr>
-          <a:xfrm>
-            <a:off x="6667770" y="3210194"/>
-            <a:ext cx="189257" cy="178683"/>
-          </a:xfrm>
-          <a:prstGeom prst="rect">
+        </p:nvCxnSpPr>
+        <p:spPr>
+          <a:xfrm flipH="1">
+            <a:off x="5681146" y="2453949"/>
+            <a:ext cx="229713" cy="0"/>
+          </a:xfrm>
+          <a:prstGeom prst="straightConnector1">
             <a:avLst/>
           </a:prstGeom>
-          <a:noFill/>
-        </p:spPr>
-        <p:txBody>
-          <a:bodyPr wrap="square" lIns="0" tIns="0" rIns="0" bIns="0" rtlCol="0">
-            <a:noAutofit/>
-          </a:bodyPr>
-          <a:lstStyle/>
-          <a:p>
-            <a:pPr algn="ctr"/>
-            <a:r>
-              <a:rPr lang="en-US" sz="1100" dirty="0">
-                <a:solidFill>
-                  <a:srgbClr val="7030A0"/>
-                </a:solidFill>
-              </a:rPr>
-              <a:t>1</a:t>
-            </a:r>
-            <a:endParaRPr lang="en-SG" sz="1100" dirty="0">
-              <a:solidFill>
-                <a:srgbClr val="7030A0"/>
-              </a:solidFill>
-            </a:endParaRPr>
-          </a:p>
-        </p:txBody>
-      </p:sp>
+          <a:ln w="19050">
+            <a:solidFill>
+              <a:srgbClr val="7030A0"/>
+            </a:solidFill>
+            <a:tailEnd type="triangle"/>
+          </a:ln>
+        </p:spPr>
+        <p:style>
+          <a:lnRef idx="1">
+            <a:schemeClr val="accent1"/>
+          </a:lnRef>
+          <a:fillRef idx="0">
+            <a:schemeClr val="accent1"/>
+          </a:fillRef>
+          <a:effectRef idx="0">
+            <a:schemeClr val="accent1"/>
+          </a:effectRef>
+          <a:fontRef idx="minor">
+            <a:schemeClr val="tx1"/>
+          </a:fontRef>
+        </p:style>
+      </p:cxnSp>
     </p:spTree>
     <p:extLst>
       <p:ext uri="{BB962C8B-B14F-4D97-AF65-F5344CB8AC3E}">

--- a/docs/diagrams/ModelComponentClassDiagram.pptx
+++ b/docs/diagrams/ModelComponentClassDiagram.pptx
@@ -208,7 +208,7 @@
           <a:p>
             <a:fld id="{F5CC4B3F-88C1-4FFA-B1B6-F41C21DC6924}" type="datetimeFigureOut">
               <a:rPr lang="en-US" smtClean="0"/>
-              <a:t>3/19/2018</a:t>
+              <a:t>4/12/2018</a:t>
             </a:fld>
             <a:endParaRPr lang="en-US" dirty="0"/>
           </a:p>
@@ -654,7 +654,7 @@
           <a:p>
             <a:fld id="{78C97017-6FC3-485B-9764-EAC9E56C1D49}" type="datetimeFigureOut">
               <a:rPr lang="en-US" smtClean="0"/>
-              <a:t>3/19/2018</a:t>
+              <a:t>4/12/2018</a:t>
             </a:fld>
             <a:endParaRPr lang="en-US" dirty="0"/>
           </a:p>
@@ -822,7 +822,7 @@
           <a:p>
             <a:fld id="{78C97017-6FC3-485B-9764-EAC9E56C1D49}" type="datetimeFigureOut">
               <a:rPr lang="en-US" smtClean="0"/>
-              <a:t>3/19/2018</a:t>
+              <a:t>4/12/2018</a:t>
             </a:fld>
             <a:endParaRPr lang="en-US" dirty="0"/>
           </a:p>
@@ -1000,7 +1000,7 @@
           <a:p>
             <a:fld id="{78C97017-6FC3-485B-9764-EAC9E56C1D49}" type="datetimeFigureOut">
               <a:rPr lang="en-US" smtClean="0"/>
-              <a:t>3/19/2018</a:t>
+              <a:t>4/12/2018</a:t>
             </a:fld>
             <a:endParaRPr lang="en-US" dirty="0"/>
           </a:p>
@@ -1168,7 +1168,7 @@
           <a:p>
             <a:fld id="{78C97017-6FC3-485B-9764-EAC9E56C1D49}" type="datetimeFigureOut">
               <a:rPr lang="en-US" smtClean="0"/>
-              <a:t>3/19/2018</a:t>
+              <a:t>4/12/2018</a:t>
             </a:fld>
             <a:endParaRPr lang="en-US" dirty="0"/>
           </a:p>
@@ -1413,7 +1413,7 @@
           <a:p>
             <a:fld id="{78C97017-6FC3-485B-9764-EAC9E56C1D49}" type="datetimeFigureOut">
               <a:rPr lang="en-US" smtClean="0"/>
-              <a:t>3/19/2018</a:t>
+              <a:t>4/12/2018</a:t>
             </a:fld>
             <a:endParaRPr lang="en-US" dirty="0"/>
           </a:p>
@@ -1698,7 +1698,7 @@
           <a:p>
             <a:fld id="{78C97017-6FC3-485B-9764-EAC9E56C1D49}" type="datetimeFigureOut">
               <a:rPr lang="en-US" smtClean="0"/>
-              <a:t>3/19/2018</a:t>
+              <a:t>4/12/2018</a:t>
             </a:fld>
             <a:endParaRPr lang="en-US" dirty="0"/>
           </a:p>
@@ -2117,7 +2117,7 @@
           <a:p>
             <a:fld id="{78C97017-6FC3-485B-9764-EAC9E56C1D49}" type="datetimeFigureOut">
               <a:rPr lang="en-US" smtClean="0"/>
-              <a:t>3/19/2018</a:t>
+              <a:t>4/12/2018</a:t>
             </a:fld>
             <a:endParaRPr lang="en-US" dirty="0"/>
           </a:p>
@@ -2234,7 +2234,7 @@
           <a:p>
             <a:fld id="{78C97017-6FC3-485B-9764-EAC9E56C1D49}" type="datetimeFigureOut">
               <a:rPr lang="en-US" smtClean="0"/>
-              <a:t>3/19/2018</a:t>
+              <a:t>4/12/2018</a:t>
             </a:fld>
             <a:endParaRPr lang="en-US" dirty="0"/>
           </a:p>
@@ -2329,7 +2329,7 @@
           <a:p>
             <a:fld id="{78C97017-6FC3-485B-9764-EAC9E56C1D49}" type="datetimeFigureOut">
               <a:rPr lang="en-US" smtClean="0"/>
-              <a:t>3/19/2018</a:t>
+              <a:t>4/12/2018</a:t>
             </a:fld>
             <a:endParaRPr lang="en-US" dirty="0"/>
           </a:p>
@@ -2604,7 +2604,7 @@
           <a:p>
             <a:fld id="{78C97017-6FC3-485B-9764-EAC9E56C1D49}" type="datetimeFigureOut">
               <a:rPr lang="en-US" smtClean="0"/>
-              <a:t>3/19/2018</a:t>
+              <a:t>4/12/2018</a:t>
             </a:fld>
             <a:endParaRPr lang="en-US" dirty="0"/>
           </a:p>
@@ -2856,7 +2856,7 @@
           <a:p>
             <a:fld id="{78C97017-6FC3-485B-9764-EAC9E56C1D49}" type="datetimeFigureOut">
               <a:rPr lang="en-US" smtClean="0"/>
-              <a:t>3/19/2018</a:t>
+              <a:t>4/12/2018</a:t>
             </a:fld>
             <a:endParaRPr lang="en-US" dirty="0"/>
           </a:p>
@@ -3067,7 +3067,7 @@
           <a:p>
             <a:fld id="{78C97017-6FC3-485B-9764-EAC9E56C1D49}" type="datetimeFigureOut">
               <a:rPr lang="en-US" smtClean="0"/>
-              <a:t>3/19/2018</a:t>
+              <a:t>4/12/2018</a:t>
             </a:fld>
             <a:endParaRPr lang="en-US" dirty="0"/>
           </a:p>
@@ -4284,7 +4284,7 @@
                   <a:srgbClr val="7030A0"/>
                 </a:solidFill>
               </a:rPr>
-              <a:t>UniqueCategoryList</a:t>
+              <a:t>UniqueTagList</a:t>
             </a:r>
             <a:endParaRPr lang="en-SG" sz="1000" dirty="0">
               <a:solidFill>
@@ -4526,7 +4526,7 @@
                   <a:srgbClr val="7030A0"/>
                 </a:solidFill>
               </a:rPr>
-              <a:t>Category</a:t>
+              <a:t>Tag</a:t>
             </a:r>
             <a:endParaRPr lang="en-SG" sz="1050" dirty="0">
               <a:solidFill>
